--- a/ProjectCAE_Class_Diagram.pptx
+++ b/ProjectCAE_Class_Diagram.pptx
@@ -197,7 +197,7 @@
           <a:p>
             <a:fld id="{16269C26-D77D-4AAA-AA3F-FEBCB6B562A5}" type="datetimeFigureOut">
               <a:rPr lang="pt-BR" smtClean="0"/>
-              <a:t>19/11/2024</a:t>
+              <a:t>29/11/2024</a:t>
             </a:fld>
             <a:endParaRPr lang="pt-BR"/>
           </a:p>
@@ -708,7 +708,7 @@
           <a:p>
             <a:fld id="{EE68F4AA-33FA-4237-A68D-F9FE26E08800}" type="datetimeFigureOut">
               <a:rPr lang="pt-BR" smtClean="0"/>
-              <a:t>19/11/2024</a:t>
+              <a:t>29/11/2024</a:t>
             </a:fld>
             <a:endParaRPr lang="pt-BR"/>
           </a:p>
@@ -878,7 +878,7 @@
           <a:p>
             <a:fld id="{EE68F4AA-33FA-4237-A68D-F9FE26E08800}" type="datetimeFigureOut">
               <a:rPr lang="pt-BR" smtClean="0"/>
-              <a:t>19/11/2024</a:t>
+              <a:t>29/11/2024</a:t>
             </a:fld>
             <a:endParaRPr lang="pt-BR"/>
           </a:p>
@@ -1058,7 +1058,7 @@
           <a:p>
             <a:fld id="{EE68F4AA-33FA-4237-A68D-F9FE26E08800}" type="datetimeFigureOut">
               <a:rPr lang="pt-BR" smtClean="0"/>
-              <a:t>19/11/2024</a:t>
+              <a:t>29/11/2024</a:t>
             </a:fld>
             <a:endParaRPr lang="pt-BR"/>
           </a:p>
@@ -1228,7 +1228,7 @@
           <a:p>
             <a:fld id="{EE68F4AA-33FA-4237-A68D-F9FE26E08800}" type="datetimeFigureOut">
               <a:rPr lang="pt-BR" smtClean="0"/>
-              <a:t>19/11/2024</a:t>
+              <a:t>29/11/2024</a:t>
             </a:fld>
             <a:endParaRPr lang="pt-BR"/>
           </a:p>
@@ -1474,7 +1474,7 @@
           <a:p>
             <a:fld id="{EE68F4AA-33FA-4237-A68D-F9FE26E08800}" type="datetimeFigureOut">
               <a:rPr lang="pt-BR" smtClean="0"/>
-              <a:t>19/11/2024</a:t>
+              <a:t>29/11/2024</a:t>
             </a:fld>
             <a:endParaRPr lang="pt-BR"/>
           </a:p>
@@ -1706,7 +1706,7 @@
           <a:p>
             <a:fld id="{EE68F4AA-33FA-4237-A68D-F9FE26E08800}" type="datetimeFigureOut">
               <a:rPr lang="pt-BR" smtClean="0"/>
-              <a:t>19/11/2024</a:t>
+              <a:t>29/11/2024</a:t>
             </a:fld>
             <a:endParaRPr lang="pt-BR"/>
           </a:p>
@@ -2073,7 +2073,7 @@
           <a:p>
             <a:fld id="{EE68F4AA-33FA-4237-A68D-F9FE26E08800}" type="datetimeFigureOut">
               <a:rPr lang="pt-BR" smtClean="0"/>
-              <a:t>19/11/2024</a:t>
+              <a:t>29/11/2024</a:t>
             </a:fld>
             <a:endParaRPr lang="pt-BR"/>
           </a:p>
@@ -2191,7 +2191,7 @@
           <a:p>
             <a:fld id="{EE68F4AA-33FA-4237-A68D-F9FE26E08800}" type="datetimeFigureOut">
               <a:rPr lang="pt-BR" smtClean="0"/>
-              <a:t>19/11/2024</a:t>
+              <a:t>29/11/2024</a:t>
             </a:fld>
             <a:endParaRPr lang="pt-BR"/>
           </a:p>
@@ -2286,7 +2286,7 @@
           <a:p>
             <a:fld id="{EE68F4AA-33FA-4237-A68D-F9FE26E08800}" type="datetimeFigureOut">
               <a:rPr lang="pt-BR" smtClean="0"/>
-              <a:t>19/11/2024</a:t>
+              <a:t>29/11/2024</a:t>
             </a:fld>
             <a:endParaRPr lang="pt-BR"/>
           </a:p>
@@ -2563,7 +2563,7 @@
           <a:p>
             <a:fld id="{EE68F4AA-33FA-4237-A68D-F9FE26E08800}" type="datetimeFigureOut">
               <a:rPr lang="pt-BR" smtClean="0"/>
-              <a:t>19/11/2024</a:t>
+              <a:t>29/11/2024</a:t>
             </a:fld>
             <a:endParaRPr lang="pt-BR"/>
           </a:p>
@@ -2820,7 +2820,7 @@
           <a:p>
             <a:fld id="{EE68F4AA-33FA-4237-A68D-F9FE26E08800}" type="datetimeFigureOut">
               <a:rPr lang="pt-BR" smtClean="0"/>
-              <a:t>19/11/2024</a:t>
+              <a:t>29/11/2024</a:t>
             </a:fld>
             <a:endParaRPr lang="pt-BR"/>
           </a:p>
@@ -3033,7 +3033,7 @@
           <a:p>
             <a:fld id="{EE68F4AA-33FA-4237-A68D-F9FE26E08800}" type="datetimeFigureOut">
               <a:rPr lang="pt-BR" smtClean="0"/>
-              <a:t>19/11/2024</a:t>
+              <a:t>29/11/2024</a:t>
             </a:fld>
             <a:endParaRPr lang="pt-BR"/>
           </a:p>
@@ -3458,8 +3458,8 @@
         </p:nvSpPr>
         <p:spPr>
           <a:xfrm>
-            <a:off x="1069104" y="791984"/>
-            <a:ext cx="9317673" cy="5596884"/>
+            <a:off x="655866" y="1010673"/>
+            <a:ext cx="9317673" cy="5932164"/>
           </a:xfrm>
           <a:prstGeom prst="rect">
             <a:avLst/>
@@ -3519,7 +3519,7 @@
         </p:nvSpPr>
         <p:spPr>
           <a:xfrm>
-            <a:off x="29264152" y="14104573"/>
+            <a:off x="28850914" y="14323262"/>
             <a:ext cx="13379131" cy="14450578"/>
           </a:xfrm>
           <a:prstGeom prst="rect">
@@ -3580,7 +3580,7 @@
         </p:nvSpPr>
         <p:spPr>
           <a:xfrm>
-            <a:off x="15317071" y="14077989"/>
+            <a:off x="14903833" y="14296678"/>
             <a:ext cx="13393283" cy="14477161"/>
           </a:xfrm>
           <a:prstGeom prst="rect">
@@ -3632,7 +3632,7 @@
         </p:nvSpPr>
         <p:spPr>
           <a:xfrm>
-            <a:off x="1057164" y="14104573"/>
+            <a:off x="643926" y="14323262"/>
             <a:ext cx="13707655" cy="14477163"/>
           </a:xfrm>
           <a:prstGeom prst="rect">
@@ -3699,7 +3699,7 @@
         </p:nvCxnSpPr>
         <p:spPr>
           <a:xfrm flipH="1">
-            <a:off x="38880742" y="21877644"/>
+            <a:off x="38467504" y="22096333"/>
             <a:ext cx="2854143" cy="640472"/>
           </a:xfrm>
           <a:prstGeom prst="line">
@@ -3744,7 +3744,7 @@
         </p:nvCxnSpPr>
         <p:spPr>
           <a:xfrm flipV="1">
-            <a:off x="41693892" y="21158252"/>
+            <a:off x="41280654" y="21376941"/>
             <a:ext cx="0" cy="720519"/>
           </a:xfrm>
           <a:prstGeom prst="straightConnector1">
@@ -3785,7 +3785,7 @@
         </p:nvCxnSpPr>
         <p:spPr>
           <a:xfrm>
-            <a:off x="41703049" y="21887803"/>
+            <a:off x="41289811" y="22106492"/>
             <a:ext cx="790530" cy="0"/>
           </a:xfrm>
           <a:prstGeom prst="straightConnector1">
@@ -3824,7 +3824,7 @@
         </p:nvCxnSpPr>
         <p:spPr>
           <a:xfrm flipV="1">
-            <a:off x="41721051" y="21502259"/>
+            <a:off x="41307813" y="21720948"/>
             <a:ext cx="377263" cy="363256"/>
           </a:xfrm>
           <a:prstGeom prst="straightConnector1">
@@ -3863,7 +3863,7 @@
         </p:nvCxnSpPr>
         <p:spPr>
           <a:xfrm flipV="1">
-            <a:off x="40011804" y="20240427"/>
+            <a:off x="39598566" y="20459116"/>
             <a:ext cx="377263" cy="363256"/>
           </a:xfrm>
           <a:prstGeom prst="straightConnector1">
@@ -3902,7 +3902,7 @@
         </p:nvCxnSpPr>
         <p:spPr>
           <a:xfrm flipV="1">
-            <a:off x="38958988" y="22114522"/>
+            <a:off x="38545750" y="22333211"/>
             <a:ext cx="377263" cy="363256"/>
           </a:xfrm>
           <a:prstGeom prst="straightConnector1">
@@ -3943,7 +3943,7 @@
         </p:nvCxnSpPr>
         <p:spPr>
           <a:xfrm flipV="1">
-            <a:off x="41024301" y="21882845"/>
+            <a:off x="40611063" y="22101534"/>
             <a:ext cx="672407" cy="662393"/>
           </a:xfrm>
           <a:prstGeom prst="line">
@@ -3981,7 +3981,7 @@
         </p:nvCxnSpPr>
         <p:spPr>
           <a:xfrm>
-            <a:off x="40000991" y="20624603"/>
+            <a:off x="39587753" y="20843292"/>
             <a:ext cx="1664014" cy="1256155"/>
           </a:xfrm>
           <a:prstGeom prst="line">
@@ -4019,7 +4019,7 @@
         </p:nvCxnSpPr>
         <p:spPr>
           <a:xfrm flipV="1">
-            <a:off x="27396649" y="21938903"/>
+            <a:off x="26983411" y="22157592"/>
             <a:ext cx="0" cy="720519"/>
           </a:xfrm>
           <a:prstGeom prst="straightConnector1">
@@ -4060,7 +4060,7 @@
         </p:nvCxnSpPr>
         <p:spPr>
           <a:xfrm>
-            <a:off x="27396649" y="22656529"/>
+            <a:off x="26983411" y="22875218"/>
             <a:ext cx="790530" cy="0"/>
           </a:xfrm>
           <a:prstGeom prst="straightConnector1">
@@ -4101,7 +4101,7 @@
         </p:nvCxnSpPr>
         <p:spPr>
           <a:xfrm>
-            <a:off x="26388300" y="20803942"/>
+            <a:off x="25975062" y="21022631"/>
             <a:ext cx="790530" cy="0"/>
           </a:xfrm>
           <a:prstGeom prst="straightConnector1">
@@ -4142,7 +4142,7 @@
         </p:nvCxnSpPr>
         <p:spPr>
           <a:xfrm flipV="1">
-            <a:off x="26388300" y="20086316"/>
+            <a:off x="25975062" y="20305005"/>
             <a:ext cx="0" cy="720519"/>
           </a:xfrm>
           <a:prstGeom prst="straightConnector1">
@@ -4181,7 +4181,7 @@
         </p:nvSpPr>
         <p:spPr>
           <a:xfrm>
-            <a:off x="15925041" y="20620073"/>
+            <a:off x="15511803" y="20838762"/>
             <a:ext cx="8549523" cy="2303470"/>
           </a:xfrm>
           <a:prstGeom prst="rect">
@@ -4240,8 +4240,8 @@
         </p:nvSpPr>
         <p:spPr>
           <a:xfrm>
-            <a:off x="1335448" y="1876576"/>
-            <a:ext cx="9051329" cy="4154984"/>
+            <a:off x="922210" y="2095265"/>
+            <a:ext cx="9051329" cy="4524315"/>
           </a:xfrm>
           <a:prstGeom prst="rect">
             <a:avLst/>
@@ -4260,7 +4260,7 @@
             </a:pPr>
             <a:r>
               <a:rPr lang="pt-BR" sz="2400" b="1" dirty="0" err="1"/>
-              <a:t>get_pre_processing_data</a:t>
+              <a:t>get_pre_processing_input</a:t>
             </a:r>
             <a:r>
               <a:rPr lang="pt-BR" sz="2400" b="1" dirty="0"/>
@@ -4465,6 +4465,33 @@
               <a:rPr lang="pt-BR" sz="2400" dirty="0"/>
               <a:t>====================================================</a:t>
             </a:r>
+          </a:p>
+          <a:p>
+            <a:pPr marL="285847" indent="-285847">
+              <a:buFont typeface="Arial" panose="020B0604020202020204" pitchFamily="34" charset="0"/>
+              <a:buChar char="•"/>
+            </a:pPr>
+            <a:r>
+              <a:rPr lang="pt-BR" sz="2400" dirty="0" err="1"/>
+              <a:t>print_all_dataframes</a:t>
+            </a:r>
+            <a:r>
+              <a:rPr lang="pt-BR" sz="2400" dirty="0"/>
+              <a:t>(</a:t>
+            </a:r>
+            <a:r>
+              <a:rPr lang="pt-BR" sz="2400" dirty="0" err="1"/>
+              <a:t>pd.DataFrame</a:t>
+            </a:r>
+            <a:r>
+              <a:rPr lang="pt-BR" sz="2400" dirty="0"/>
+              <a:t>, ...) -&gt; </a:t>
+            </a:r>
+            <a:r>
+              <a:rPr lang="pt-BR" sz="2400" dirty="0" err="1"/>
+              <a:t>None</a:t>
+            </a:r>
+            <a:endParaRPr lang="pt-BR" sz="2400" dirty="0"/>
           </a:p>
           <a:p>
             <a:pPr marL="285847" indent="-285847">
@@ -4544,7 +4571,7 @@
         </p:nvSpPr>
         <p:spPr>
           <a:xfrm>
-            <a:off x="15952530" y="25453308"/>
+            <a:off x="15539292" y="25671997"/>
             <a:ext cx="8471881" cy="2169903"/>
           </a:xfrm>
           <a:prstGeom prst="rect">
@@ -4605,7 +4632,7 @@
         </p:nvCxnSpPr>
         <p:spPr>
           <a:xfrm>
-            <a:off x="15952575" y="25921582"/>
+            <a:off x="15539337" y="26140271"/>
             <a:ext cx="8362932" cy="0"/>
           </a:xfrm>
           <a:prstGeom prst="line">
@@ -4641,7 +4668,7 @@
         </p:nvSpPr>
         <p:spPr>
           <a:xfrm>
-            <a:off x="19453718" y="25523046"/>
+            <a:off x="19040480" y="25741735"/>
             <a:ext cx="1711687" cy="369781"/>
           </a:xfrm>
           <a:prstGeom prst="rect">
@@ -4682,7 +4709,7 @@
         </p:nvCxnSpPr>
         <p:spPr>
           <a:xfrm>
-            <a:off x="15913903" y="21150118"/>
+            <a:off x="15500665" y="21368807"/>
             <a:ext cx="8502405" cy="0"/>
           </a:xfrm>
           <a:prstGeom prst="line">
@@ -4718,7 +4745,7 @@
         </p:nvSpPr>
         <p:spPr>
           <a:xfrm>
-            <a:off x="16062373" y="21306461"/>
+            <a:off x="15649135" y="21525150"/>
             <a:ext cx="7867731" cy="1757019"/>
           </a:xfrm>
           <a:prstGeom prst="rect">
@@ -4967,7 +4994,7 @@
         </p:nvSpPr>
         <p:spPr>
           <a:xfrm>
-            <a:off x="16132576" y="26080206"/>
+            <a:off x="15719338" y="26298895"/>
             <a:ext cx="7867731" cy="1757019"/>
           </a:xfrm>
           <a:prstGeom prst="rect">
@@ -5216,7 +5243,7 @@
         </p:nvSpPr>
         <p:spPr>
           <a:xfrm>
-            <a:off x="5860259" y="20041161"/>
+            <a:off x="5447021" y="20259850"/>
             <a:ext cx="8362932" cy="2035117"/>
           </a:xfrm>
           <a:prstGeom prst="rect">
@@ -5272,7 +5299,7 @@
         </p:nvSpPr>
         <p:spPr>
           <a:xfrm>
-            <a:off x="5929331" y="20716572"/>
+            <a:off x="5516093" y="20935261"/>
             <a:ext cx="7875361" cy="1202124"/>
           </a:xfrm>
           <a:prstGeom prst="rect">
@@ -5458,7 +5485,7 @@
         </p:nvSpPr>
         <p:spPr>
           <a:xfrm>
-            <a:off x="5823128" y="25620796"/>
+            <a:off x="5409890" y="25839485"/>
             <a:ext cx="8362932" cy="2043132"/>
           </a:xfrm>
           <a:prstGeom prst="rect">
@@ -5520,7 +5547,7 @@
         </p:nvSpPr>
         <p:spPr>
           <a:xfrm>
-            <a:off x="5892200" y="26296207"/>
+            <a:off x="5478962" y="26514896"/>
             <a:ext cx="7875361" cy="1202124"/>
           </a:xfrm>
           <a:prstGeom prst="rect">
@@ -5706,7 +5733,7 @@
         </p:nvSpPr>
         <p:spPr>
           <a:xfrm>
-            <a:off x="25348638" y="20803944"/>
+            <a:off x="24935400" y="21022633"/>
             <a:ext cx="2057024" cy="1851095"/>
           </a:xfrm>
           <a:prstGeom prst="triangle">
@@ -5758,7 +5785,7 @@
         </p:nvSpPr>
         <p:spPr>
           <a:xfrm>
-            <a:off x="26322930" y="20738571"/>
+            <a:off x="25909692" y="20957260"/>
             <a:ext cx="130745" cy="130745"/>
           </a:xfrm>
           <a:prstGeom prst="ellipse">
@@ -5814,7 +5841,7 @@
         </p:nvSpPr>
         <p:spPr>
           <a:xfrm>
-            <a:off x="27331232" y="22588436"/>
+            <a:off x="26917994" y="22807125"/>
             <a:ext cx="130745" cy="130745"/>
           </a:xfrm>
           <a:prstGeom prst="ellipse">
@@ -5872,7 +5899,7 @@
             </p:nvSpPr>
             <p:spPr>
               <a:xfrm>
-                <a:off x="26875555" y="20430793"/>
+                <a:off x="26462317" y="20649482"/>
                 <a:ext cx="530861" cy="307648"/>
               </a:xfrm>
               <a:prstGeom prst="rect">
@@ -5943,7 +5970,7 @@
             </p:nvSpPr>
             <p:spPr>
               <a:xfrm>
-                <a:off x="26875555" y="20430793"/>
+                <a:off x="26462317" y="20649482"/>
                 <a:ext cx="530861" cy="307648"/>
               </a:xfrm>
               <a:prstGeom prst="rect">
@@ -5952,7 +5979,7 @@
               <a:blipFill>
                 <a:blip r:embed="rId3"/>
                 <a:stretch>
-                  <a:fillRect b="-16000"/>
+                  <a:fillRect b="-15686"/>
                 </a:stretch>
               </a:blipFill>
             </p:spPr>
@@ -5987,7 +6014,7 @@
             </p:nvSpPr>
             <p:spPr>
               <a:xfrm>
-                <a:off x="25918233" y="20042981"/>
+                <a:off x="25504995" y="20261670"/>
                 <a:ext cx="530861" cy="307648"/>
               </a:xfrm>
               <a:prstGeom prst="rect">
@@ -6058,7 +6085,7 @@
             </p:nvSpPr>
             <p:spPr>
               <a:xfrm>
-                <a:off x="25918233" y="20042981"/>
+                <a:off x="25504995" y="20261670"/>
                 <a:ext cx="530861" cy="307648"/>
               </a:xfrm>
               <a:prstGeom prst="rect">
@@ -6102,7 +6129,7 @@
         </p:nvCxnSpPr>
         <p:spPr>
           <a:xfrm>
-            <a:off x="25330971" y="22647920"/>
+            <a:off x="24917733" y="22866609"/>
             <a:ext cx="790530" cy="0"/>
           </a:xfrm>
           <a:prstGeom prst="straightConnector1">
@@ -6143,7 +6170,7 @@
         </p:nvCxnSpPr>
         <p:spPr>
           <a:xfrm flipV="1">
-            <a:off x="25330971" y="21930294"/>
+            <a:off x="24917733" y="22148983"/>
             <a:ext cx="0" cy="720519"/>
           </a:xfrm>
           <a:prstGeom prst="straightConnector1">
@@ -6182,7 +6209,7 @@
         </p:nvSpPr>
         <p:spPr>
           <a:xfrm>
-            <a:off x="25265601" y="22582549"/>
+            <a:off x="24852363" y="22801238"/>
             <a:ext cx="130745" cy="130745"/>
           </a:xfrm>
           <a:prstGeom prst="ellipse">
@@ -6240,7 +6267,7 @@
             </p:nvSpPr>
             <p:spPr>
               <a:xfrm>
-                <a:off x="25818226" y="22274771"/>
+                <a:off x="25404988" y="22493460"/>
                 <a:ext cx="530861" cy="307648"/>
               </a:xfrm>
               <a:prstGeom prst="rect">
@@ -6311,7 +6338,7 @@
             </p:nvSpPr>
             <p:spPr>
               <a:xfrm>
-                <a:off x="25818226" y="22274771"/>
+                <a:off x="25404988" y="22493460"/>
                 <a:ext cx="530861" cy="307648"/>
               </a:xfrm>
               <a:prstGeom prst="rect">
@@ -6355,7 +6382,7 @@
             </p:nvSpPr>
             <p:spPr>
               <a:xfrm>
-                <a:off x="24898039" y="22018329"/>
+                <a:off x="24484801" y="22237018"/>
                 <a:ext cx="530861" cy="307648"/>
               </a:xfrm>
               <a:prstGeom prst="rect">
@@ -6426,7 +6453,7 @@
             </p:nvSpPr>
             <p:spPr>
               <a:xfrm>
-                <a:off x="24898039" y="22018329"/>
+                <a:off x="24484801" y="22237018"/>
                 <a:ext cx="530861" cy="307648"/>
               </a:xfrm>
               <a:prstGeom prst="rect">
@@ -6470,7 +6497,7 @@
             </p:nvSpPr>
             <p:spPr>
               <a:xfrm>
-                <a:off x="27883904" y="22283380"/>
+                <a:off x="27470666" y="22502069"/>
                 <a:ext cx="530861" cy="307648"/>
               </a:xfrm>
               <a:prstGeom prst="rect">
@@ -6541,7 +6568,7 @@
             </p:nvSpPr>
             <p:spPr>
               <a:xfrm>
-                <a:off x="27883904" y="22283380"/>
+                <a:off x="27470666" y="22502069"/>
                 <a:ext cx="530861" cy="307648"/>
               </a:xfrm>
               <a:prstGeom prst="rect">
@@ -6585,7 +6612,7 @@
             </p:nvSpPr>
             <p:spPr>
               <a:xfrm>
-                <a:off x="27338378" y="21873529"/>
+                <a:off x="26925140" y="22092218"/>
                 <a:ext cx="530861" cy="307648"/>
               </a:xfrm>
               <a:prstGeom prst="rect">
@@ -6656,7 +6683,7 @@
             </p:nvSpPr>
             <p:spPr>
               <a:xfrm>
-                <a:off x="27338378" y="21873529"/>
+                <a:off x="26925140" y="22092218"/>
                 <a:ext cx="530861" cy="307648"/>
               </a:xfrm>
               <a:prstGeom prst="rect">
@@ -6698,7 +6725,7 @@
         </p:nvSpPr>
         <p:spPr>
           <a:xfrm>
-            <a:off x="25238355" y="25620796"/>
+            <a:off x="24825117" y="25839485"/>
             <a:ext cx="2188620" cy="1799122"/>
           </a:xfrm>
           <a:prstGeom prst="rect">
@@ -6747,7 +6774,7 @@
         </p:nvCxnSpPr>
         <p:spPr>
           <a:xfrm flipV="1">
-            <a:off x="27427021" y="26661354"/>
+            <a:off x="27013783" y="26880043"/>
             <a:ext cx="0" cy="720519"/>
           </a:xfrm>
           <a:prstGeom prst="straightConnector1">
@@ -6788,7 +6815,7 @@
         </p:nvCxnSpPr>
         <p:spPr>
           <a:xfrm>
-            <a:off x="27427021" y="27378980"/>
+            <a:off x="27013783" y="27597669"/>
             <a:ext cx="790530" cy="0"/>
           </a:xfrm>
           <a:prstGeom prst="straightConnector1">
@@ -6827,7 +6854,7 @@
         </p:nvSpPr>
         <p:spPr>
           <a:xfrm>
-            <a:off x="27361604" y="27310887"/>
+            <a:off x="26948366" y="27529576"/>
             <a:ext cx="130745" cy="130745"/>
           </a:xfrm>
           <a:prstGeom prst="ellipse">
@@ -6885,7 +6912,7 @@
             </p:nvSpPr>
             <p:spPr>
               <a:xfrm>
-                <a:off x="27848902" y="26922062"/>
+                <a:off x="27435664" y="27140751"/>
                 <a:ext cx="530861" cy="307648"/>
               </a:xfrm>
               <a:prstGeom prst="rect">
@@ -6956,7 +6983,7 @@
             </p:nvSpPr>
             <p:spPr>
               <a:xfrm>
-                <a:off x="27848902" y="26922062"/>
+                <a:off x="27435664" y="27140751"/>
                 <a:ext cx="530861" cy="307648"/>
               </a:xfrm>
               <a:prstGeom prst="rect">
@@ -7000,7 +7027,7 @@
             </p:nvSpPr>
             <p:spPr>
               <a:xfrm>
-                <a:off x="27390561" y="26689777"/>
+                <a:off x="26977323" y="26908466"/>
                 <a:ext cx="530861" cy="307648"/>
               </a:xfrm>
               <a:prstGeom prst="rect">
@@ -7071,7 +7098,7 @@
             </p:nvSpPr>
             <p:spPr>
               <a:xfrm>
-                <a:off x="27390561" y="26689777"/>
+                <a:off x="26977323" y="26908466"/>
                 <a:ext cx="530861" cy="307648"/>
               </a:xfrm>
               <a:prstGeom prst="rect">
@@ -7115,7 +7142,7 @@
         </p:nvCxnSpPr>
         <p:spPr>
           <a:xfrm flipV="1">
-            <a:off x="27434167" y="24905286"/>
+            <a:off x="27020929" y="25123975"/>
             <a:ext cx="0" cy="720519"/>
           </a:xfrm>
           <a:prstGeom prst="straightConnector1">
@@ -7156,7 +7183,7 @@
         </p:nvCxnSpPr>
         <p:spPr>
           <a:xfrm>
-            <a:off x="27434167" y="25622912"/>
+            <a:off x="27020929" y="25841601"/>
             <a:ext cx="790530" cy="0"/>
           </a:xfrm>
           <a:prstGeom prst="straightConnector1">
@@ -7195,7 +7222,7 @@
         </p:nvSpPr>
         <p:spPr>
           <a:xfrm>
-            <a:off x="27368750" y="25554819"/>
+            <a:off x="26955512" y="25773508"/>
             <a:ext cx="130745" cy="130745"/>
           </a:xfrm>
           <a:prstGeom prst="ellipse">
@@ -7253,7 +7280,7 @@
             </p:nvSpPr>
             <p:spPr>
               <a:xfrm>
-                <a:off x="27856048" y="25165994"/>
+                <a:off x="27442810" y="25384683"/>
                 <a:ext cx="530861" cy="307648"/>
               </a:xfrm>
               <a:prstGeom prst="rect">
@@ -7324,7 +7351,7 @@
             </p:nvSpPr>
             <p:spPr>
               <a:xfrm>
-                <a:off x="27856048" y="25165994"/>
+                <a:off x="27442810" y="25384683"/>
                 <a:ext cx="530861" cy="307648"/>
               </a:xfrm>
               <a:prstGeom prst="rect">
@@ -7368,7 +7395,7 @@
             </p:nvSpPr>
             <p:spPr>
               <a:xfrm>
-                <a:off x="27426976" y="24839912"/>
+                <a:off x="27013738" y="25058601"/>
                 <a:ext cx="530861" cy="307648"/>
               </a:xfrm>
               <a:prstGeom prst="rect">
@@ -7439,7 +7466,7 @@
             </p:nvSpPr>
             <p:spPr>
               <a:xfrm>
-                <a:off x="27426976" y="24839912"/>
+                <a:off x="27013738" y="25058601"/>
                 <a:ext cx="530861" cy="307648"/>
               </a:xfrm>
               <a:prstGeom prst="rect">
@@ -7483,7 +7510,7 @@
         </p:nvCxnSpPr>
         <p:spPr>
           <a:xfrm flipV="1">
-            <a:off x="25238402" y="24905286"/>
+            <a:off x="24825164" y="25123975"/>
             <a:ext cx="0" cy="720519"/>
           </a:xfrm>
           <a:prstGeom prst="straightConnector1">
@@ -7524,7 +7551,7 @@
         </p:nvCxnSpPr>
         <p:spPr>
           <a:xfrm>
-            <a:off x="25238402" y="25622912"/>
+            <a:off x="24825164" y="25841601"/>
             <a:ext cx="790530" cy="0"/>
           </a:xfrm>
           <a:prstGeom prst="straightConnector1">
@@ -7563,7 +7590,7 @@
         </p:nvSpPr>
         <p:spPr>
           <a:xfrm>
-            <a:off x="25172985" y="25554819"/>
+            <a:off x="24759747" y="25773508"/>
             <a:ext cx="130745" cy="130745"/>
           </a:xfrm>
           <a:prstGeom prst="ellipse">
@@ -7621,7 +7648,7 @@
             </p:nvSpPr>
             <p:spPr>
               <a:xfrm>
-                <a:off x="25725657" y="25249763"/>
+                <a:off x="25312419" y="25468452"/>
                 <a:ext cx="530861" cy="307648"/>
               </a:xfrm>
               <a:prstGeom prst="rect">
@@ -7692,7 +7719,7 @@
             </p:nvSpPr>
             <p:spPr>
               <a:xfrm>
-                <a:off x="25725657" y="25249763"/>
+                <a:off x="25312419" y="25468452"/>
                 <a:ext cx="530861" cy="307648"/>
               </a:xfrm>
               <a:prstGeom prst="rect">
@@ -7701,7 +7728,7 @@
               <a:blipFill>
                 <a:blip r:embed="rId13"/>
                 <a:stretch>
-                  <a:fillRect b="-18000"/>
+                  <a:fillRect b="-16000"/>
                 </a:stretch>
               </a:blipFill>
             </p:spPr>
@@ -7736,7 +7763,7 @@
             </p:nvSpPr>
             <p:spPr>
               <a:xfrm>
-                <a:off x="25180131" y="24839912"/>
+                <a:off x="24766893" y="25058601"/>
                 <a:ext cx="530861" cy="307648"/>
               </a:xfrm>
               <a:prstGeom prst="rect">
@@ -7807,7 +7834,7 @@
             </p:nvSpPr>
             <p:spPr>
               <a:xfrm>
-                <a:off x="25180131" y="24839912"/>
+                <a:off x="24766893" y="25058601"/>
                 <a:ext cx="530861" cy="307648"/>
               </a:xfrm>
               <a:prstGeom prst="rect">
@@ -7851,7 +7878,7 @@
         </p:nvCxnSpPr>
         <p:spPr>
           <a:xfrm flipV="1">
-            <a:off x="25229837" y="26702897"/>
+            <a:off x="24816599" y="26921586"/>
             <a:ext cx="0" cy="720519"/>
           </a:xfrm>
           <a:prstGeom prst="straightConnector1">
@@ -7892,7 +7919,7 @@
         </p:nvCxnSpPr>
         <p:spPr>
           <a:xfrm>
-            <a:off x="25229837" y="27420523"/>
+            <a:off x="24816599" y="27639212"/>
             <a:ext cx="790530" cy="0"/>
           </a:xfrm>
           <a:prstGeom prst="straightConnector1">
@@ -7931,7 +7958,7 @@
         </p:nvSpPr>
         <p:spPr>
           <a:xfrm>
-            <a:off x="25164420" y="27352430"/>
+            <a:off x="24751182" y="27571119"/>
             <a:ext cx="130745" cy="130745"/>
           </a:xfrm>
           <a:prstGeom prst="ellipse">
@@ -7989,7 +8016,7 @@
             </p:nvSpPr>
             <p:spPr>
               <a:xfrm>
-                <a:off x="25662013" y="27021612"/>
+                <a:off x="25248775" y="27240301"/>
                 <a:ext cx="530861" cy="307648"/>
               </a:xfrm>
               <a:prstGeom prst="rect">
@@ -8060,7 +8087,7 @@
             </p:nvSpPr>
             <p:spPr>
               <a:xfrm>
-                <a:off x="25662013" y="27021612"/>
+                <a:off x="25248775" y="27240301"/>
                 <a:ext cx="530861" cy="307648"/>
               </a:xfrm>
               <a:prstGeom prst="rect">
@@ -8104,7 +8131,7 @@
             </p:nvSpPr>
             <p:spPr>
               <a:xfrm>
-                <a:off x="25171566" y="26637523"/>
+                <a:off x="24758328" y="26856212"/>
                 <a:ext cx="530861" cy="307648"/>
               </a:xfrm>
               <a:prstGeom prst="rect">
@@ -8175,7 +8202,7 @@
             </p:nvSpPr>
             <p:spPr>
               <a:xfrm>
-                <a:off x="25171566" y="26637523"/>
+                <a:off x="24758328" y="26856212"/>
                 <a:ext cx="530861" cy="307648"/>
               </a:xfrm>
               <a:prstGeom prst="rect">
@@ -8217,7 +8244,7 @@
         </p:nvCxnSpPr>
         <p:spPr>
           <a:xfrm flipV="1">
-            <a:off x="2064848" y="20485735"/>
+            <a:off x="1651610" y="20704424"/>
             <a:ext cx="2026463" cy="1416974"/>
           </a:xfrm>
           <a:prstGeom prst="line">
@@ -8255,7 +8282,7 @@
         </p:nvCxnSpPr>
         <p:spPr>
           <a:xfrm flipV="1">
-            <a:off x="2027985" y="21226007"/>
+            <a:off x="1614747" y="21444696"/>
             <a:ext cx="0" cy="720519"/>
           </a:xfrm>
           <a:prstGeom prst="straightConnector1">
@@ -8296,7 +8323,7 @@
         </p:nvCxnSpPr>
         <p:spPr>
           <a:xfrm>
-            <a:off x="2027985" y="21943633"/>
+            <a:off x="1614747" y="22162322"/>
             <a:ext cx="790530" cy="0"/>
           </a:xfrm>
           <a:prstGeom prst="straightConnector1">
@@ -8335,7 +8362,7 @@
         </p:nvSpPr>
         <p:spPr>
           <a:xfrm>
-            <a:off x="1962566" y="21875540"/>
+            <a:off x="1549328" y="22094229"/>
             <a:ext cx="130745" cy="130745"/>
           </a:xfrm>
           <a:prstGeom prst="ellipse">
@@ -8377,8 +8404,8 @@
           </a:p>
         </p:txBody>
       </p:sp>
-      <mc:AlternateContent xmlns:mc="http://schemas.openxmlformats.org/markup-compatibility/2006" xmlns:a14="http://schemas.microsoft.com/office/drawing/2010/main">
-        <mc:Choice Requires="a14">
+      <mc:AlternateContent xmlns:mc="http://schemas.openxmlformats.org/markup-compatibility/2006">
+        <mc:Choice xmlns:a14="http://schemas.microsoft.com/office/drawing/2010/main" Requires="a14">
           <p:sp>
             <p:nvSpPr>
               <p:cNvPr id="101" name="CaixaDeTexto 100">
@@ -8393,7 +8420,7 @@
             </p:nvSpPr>
             <p:spPr>
               <a:xfrm>
-                <a:off x="2515238" y="21570484"/>
+                <a:off x="2102000" y="21789173"/>
                 <a:ext cx="530861" cy="307648"/>
               </a:xfrm>
               <a:prstGeom prst="rect">
@@ -8447,13 +8474,13 @@
             </p:txBody>
           </p:sp>
         </mc:Choice>
-        <mc:Fallback xmlns="">
+        <mc:Fallback>
           <p:sp>
             <p:nvSpPr>
               <p:cNvPr id="101" name="CaixaDeTexto 100">
                 <a:extLst>
                   <a:ext uri="{FF2B5EF4-FFF2-40B4-BE49-F238E27FC236}">
-                    <a16:creationId xmlns:a16="http://schemas.microsoft.com/office/drawing/2014/main" id="{6D734FD6-BD15-6D68-8701-A807FEA41542}"/>
+                    <a16:creationId xmlns:a16="http://schemas.microsoft.com/office/drawing/2014/main" id="{0C8D3C54-6DE0-2652-0160-1762B0C46A16}"/>
                   </a:ext>
                 </a:extLst>
               </p:cNvPr>
@@ -8464,7 +8491,7 @@
             </p:nvSpPr>
             <p:spPr>
               <a:xfrm>
-                <a:off x="2515238" y="21570484"/>
+                <a:off x="2102000" y="21789173"/>
                 <a:ext cx="530861" cy="307648"/>
               </a:xfrm>
               <a:prstGeom prst="rect">
@@ -8492,8 +8519,8 @@
           </p:sp>
         </mc:Fallback>
       </mc:AlternateContent>
-      <mc:AlternateContent xmlns:mc="http://schemas.openxmlformats.org/markup-compatibility/2006" xmlns:a14="http://schemas.microsoft.com/office/drawing/2010/main">
-        <mc:Choice Requires="a14">
+      <mc:AlternateContent xmlns:mc="http://schemas.openxmlformats.org/markup-compatibility/2006">
+        <mc:Choice xmlns:a14="http://schemas.microsoft.com/office/drawing/2010/main" Requires="a14">
           <p:sp>
             <p:nvSpPr>
               <p:cNvPr id="102" name="CaixaDeTexto 101">
@@ -8508,7 +8535,7 @@
             </p:nvSpPr>
             <p:spPr>
               <a:xfrm>
-                <a:off x="1969712" y="21160633"/>
+                <a:off x="1556474" y="21379322"/>
                 <a:ext cx="530861" cy="307648"/>
               </a:xfrm>
               <a:prstGeom prst="rect">
@@ -8562,13 +8589,13 @@
             </p:txBody>
           </p:sp>
         </mc:Choice>
-        <mc:Fallback xmlns="">
+        <mc:Fallback>
           <p:sp>
             <p:nvSpPr>
               <p:cNvPr id="102" name="CaixaDeTexto 101">
                 <a:extLst>
                   <a:ext uri="{FF2B5EF4-FFF2-40B4-BE49-F238E27FC236}">
-                    <a16:creationId xmlns:a16="http://schemas.microsoft.com/office/drawing/2014/main" id="{A0DAD7A8-BB2A-AFC3-A51D-88D241355A7B}"/>
+                    <a16:creationId xmlns:a16="http://schemas.microsoft.com/office/drawing/2014/main" id="{31DB73DB-64DD-270A-D872-C06F6BC92DA5}"/>
                   </a:ext>
                 </a:extLst>
               </p:cNvPr>
@@ -8579,7 +8606,7 @@
             </p:nvSpPr>
             <p:spPr>
               <a:xfrm>
-                <a:off x="1969712" y="21160633"/>
+                <a:off x="1556474" y="21379322"/>
                 <a:ext cx="530861" cy="307648"/>
               </a:xfrm>
               <a:prstGeom prst="rect">
@@ -8623,7 +8650,7 @@
         </p:nvCxnSpPr>
         <p:spPr>
           <a:xfrm>
-            <a:off x="4083071" y="20482843"/>
+            <a:off x="3669833" y="20701532"/>
             <a:ext cx="790530" cy="0"/>
           </a:xfrm>
           <a:prstGeom prst="straightConnector1">
@@ -8662,7 +8689,7 @@
         </p:nvSpPr>
         <p:spPr>
           <a:xfrm>
-            <a:off x="4017653" y="20414750"/>
+            <a:off x="3604415" y="20633439"/>
             <a:ext cx="130745" cy="130745"/>
           </a:xfrm>
           <a:prstGeom prst="ellipse">
@@ -8704,8 +8731,8 @@
           </a:p>
         </p:txBody>
       </p:sp>
-      <mc:AlternateContent xmlns:mc="http://schemas.openxmlformats.org/markup-compatibility/2006" xmlns:a14="http://schemas.microsoft.com/office/drawing/2010/main">
-        <mc:Choice Requires="a14">
+      <mc:AlternateContent xmlns:mc="http://schemas.openxmlformats.org/markup-compatibility/2006">
+        <mc:Choice xmlns:a14="http://schemas.microsoft.com/office/drawing/2010/main" Requires="a14">
           <p:sp>
             <p:nvSpPr>
               <p:cNvPr id="106" name="CaixaDeTexto 105">
@@ -8720,7 +8747,7 @@
             </p:nvSpPr>
             <p:spPr>
               <a:xfrm>
-                <a:off x="4570325" y="20109694"/>
+                <a:off x="4157087" y="20328383"/>
                 <a:ext cx="530861" cy="307648"/>
               </a:xfrm>
               <a:prstGeom prst="rect">
@@ -8774,13 +8801,13 @@
             </p:txBody>
           </p:sp>
         </mc:Choice>
-        <mc:Fallback xmlns="">
+        <mc:Fallback>
           <p:sp>
             <p:nvSpPr>
               <p:cNvPr id="106" name="CaixaDeTexto 105">
                 <a:extLst>
                   <a:ext uri="{FF2B5EF4-FFF2-40B4-BE49-F238E27FC236}">
-                    <a16:creationId xmlns:a16="http://schemas.microsoft.com/office/drawing/2014/main" id="{7AAC5DE7-3A13-C644-86CB-17E613A657DA}"/>
+                    <a16:creationId xmlns:a16="http://schemas.microsoft.com/office/drawing/2014/main" id="{DDD89F65-7B9D-A9F5-1998-1E5BC8379A19}"/>
                   </a:ext>
                 </a:extLst>
               </p:cNvPr>
@@ -8791,7 +8818,7 @@
             </p:nvSpPr>
             <p:spPr>
               <a:xfrm>
-                <a:off x="4570325" y="20109694"/>
+                <a:off x="4157087" y="20328383"/>
                 <a:ext cx="530861" cy="307648"/>
               </a:xfrm>
               <a:prstGeom prst="rect">
@@ -8819,8 +8846,8 @@
           </p:sp>
         </mc:Fallback>
       </mc:AlternateContent>
-      <mc:AlternateContent xmlns:mc="http://schemas.openxmlformats.org/markup-compatibility/2006" xmlns:a14="http://schemas.microsoft.com/office/drawing/2010/main">
-        <mc:Choice Requires="a14">
+      <mc:AlternateContent xmlns:mc="http://schemas.openxmlformats.org/markup-compatibility/2006">
+        <mc:Choice xmlns:a14="http://schemas.microsoft.com/office/drawing/2010/main" Requires="a14">
           <p:sp>
             <p:nvSpPr>
               <p:cNvPr id="107" name="CaixaDeTexto 106">
@@ -8835,7 +8862,7 @@
             </p:nvSpPr>
             <p:spPr>
               <a:xfrm>
-                <a:off x="3511193" y="19630010"/>
+                <a:off x="3097955" y="19848699"/>
                 <a:ext cx="530861" cy="307648"/>
               </a:xfrm>
               <a:prstGeom prst="rect">
@@ -8889,13 +8916,13 @@
             </p:txBody>
           </p:sp>
         </mc:Choice>
-        <mc:Fallback xmlns="">
+        <mc:Fallback>
           <p:sp>
             <p:nvSpPr>
               <p:cNvPr id="107" name="CaixaDeTexto 106">
                 <a:extLst>
                   <a:ext uri="{FF2B5EF4-FFF2-40B4-BE49-F238E27FC236}">
-                    <a16:creationId xmlns:a16="http://schemas.microsoft.com/office/drawing/2014/main" id="{11A53285-14CA-E65B-01F3-DD356626626B}"/>
+                    <a16:creationId xmlns:a16="http://schemas.microsoft.com/office/drawing/2014/main" id="{7F84EEAF-8787-4D0C-D1AA-BED2CACA0E9C}"/>
                   </a:ext>
                 </a:extLst>
               </p:cNvPr>
@@ -8906,7 +8933,7 @@
             </p:nvSpPr>
             <p:spPr>
               <a:xfrm>
-                <a:off x="3511193" y="19630010"/>
+                <a:off x="3097955" y="19848699"/>
                 <a:ext cx="530861" cy="307648"/>
               </a:xfrm>
               <a:prstGeom prst="rect">
@@ -8915,7 +8942,7 @@
               <a:blipFill>
                 <a:blip r:embed="rId20"/>
                 <a:stretch>
-                  <a:fillRect b="-15686"/>
+                  <a:fillRect b="-18000"/>
                 </a:stretch>
               </a:blipFill>
             </p:spPr>
@@ -8948,7 +8975,7 @@
         </p:nvCxnSpPr>
         <p:spPr>
           <a:xfrm flipV="1">
-            <a:off x="2240067" y="26206237"/>
+            <a:off x="1826829" y="26424926"/>
             <a:ext cx="2026463" cy="1416974"/>
           </a:xfrm>
           <a:prstGeom prst="line">
@@ -8986,7 +9013,7 @@
         </p:nvCxnSpPr>
         <p:spPr>
           <a:xfrm flipV="1">
-            <a:off x="2240113" y="26908306"/>
+            <a:off x="1826875" y="27126995"/>
             <a:ext cx="0" cy="720519"/>
           </a:xfrm>
           <a:prstGeom prst="straightConnector1">
@@ -9027,7 +9054,7 @@
         </p:nvCxnSpPr>
         <p:spPr>
           <a:xfrm>
-            <a:off x="2240113" y="27625932"/>
+            <a:off x="1826875" y="27844621"/>
             <a:ext cx="790530" cy="0"/>
           </a:xfrm>
           <a:prstGeom prst="straightConnector1">
@@ -9066,7 +9093,7 @@
         </p:nvSpPr>
         <p:spPr>
           <a:xfrm>
-            <a:off x="2174694" y="27557839"/>
+            <a:off x="1761456" y="27776528"/>
             <a:ext cx="130745" cy="130745"/>
           </a:xfrm>
           <a:prstGeom prst="ellipse">
@@ -9108,8 +9135,8 @@
           </a:p>
         </p:txBody>
       </p:sp>
-      <mc:AlternateContent xmlns:mc="http://schemas.openxmlformats.org/markup-compatibility/2006" xmlns:a14="http://schemas.microsoft.com/office/drawing/2010/main">
-        <mc:Choice Requires="a14">
+      <mc:AlternateContent xmlns:mc="http://schemas.openxmlformats.org/markup-compatibility/2006">
+        <mc:Choice xmlns:a14="http://schemas.microsoft.com/office/drawing/2010/main" Requires="a14">
           <p:sp>
             <p:nvSpPr>
               <p:cNvPr id="126" name="CaixaDeTexto 125">
@@ -9124,7 +9151,7 @@
             </p:nvSpPr>
             <p:spPr>
               <a:xfrm>
-                <a:off x="2756673" y="27271664"/>
+                <a:off x="2343435" y="27490353"/>
                 <a:ext cx="530861" cy="307648"/>
               </a:xfrm>
               <a:prstGeom prst="rect">
@@ -9178,13 +9205,13 @@
             </p:txBody>
           </p:sp>
         </mc:Choice>
-        <mc:Fallback xmlns="">
+        <mc:Fallback>
           <p:sp>
             <p:nvSpPr>
               <p:cNvPr id="126" name="CaixaDeTexto 125">
                 <a:extLst>
                   <a:ext uri="{FF2B5EF4-FFF2-40B4-BE49-F238E27FC236}">
-                    <a16:creationId xmlns:a16="http://schemas.microsoft.com/office/drawing/2014/main" id="{F71DF33F-E1CA-A079-EAF7-4C7A39F727FB}"/>
+                    <a16:creationId xmlns:a16="http://schemas.microsoft.com/office/drawing/2014/main" id="{BFF48F2B-37BD-EC4E-C9D8-1DF1E76910EE}"/>
                   </a:ext>
                 </a:extLst>
               </p:cNvPr>
@@ -9195,7 +9222,7 @@
             </p:nvSpPr>
             <p:spPr>
               <a:xfrm>
-                <a:off x="2756673" y="27271664"/>
+                <a:off x="2343435" y="27490353"/>
                 <a:ext cx="530861" cy="307648"/>
               </a:xfrm>
               <a:prstGeom prst="rect">
@@ -9223,8 +9250,8 @@
           </p:sp>
         </mc:Fallback>
       </mc:AlternateContent>
-      <mc:AlternateContent xmlns:mc="http://schemas.openxmlformats.org/markup-compatibility/2006" xmlns:a14="http://schemas.microsoft.com/office/drawing/2010/main">
-        <mc:Choice Requires="a14">
+      <mc:AlternateContent xmlns:mc="http://schemas.openxmlformats.org/markup-compatibility/2006">
+        <mc:Choice xmlns:a14="http://schemas.microsoft.com/office/drawing/2010/main" Requires="a14">
           <p:sp>
             <p:nvSpPr>
               <p:cNvPr id="127" name="CaixaDeTexto 126">
@@ -9239,7 +9266,7 @@
             </p:nvSpPr>
             <p:spPr>
               <a:xfrm>
-                <a:off x="2118188" y="26666889"/>
+                <a:off x="1704950" y="26885578"/>
                 <a:ext cx="530861" cy="307648"/>
               </a:xfrm>
               <a:prstGeom prst="rect">
@@ -9293,13 +9320,13 @@
             </p:txBody>
           </p:sp>
         </mc:Choice>
-        <mc:Fallback xmlns="">
+        <mc:Fallback>
           <p:sp>
             <p:nvSpPr>
               <p:cNvPr id="127" name="CaixaDeTexto 126">
                 <a:extLst>
                   <a:ext uri="{FF2B5EF4-FFF2-40B4-BE49-F238E27FC236}">
-                    <a16:creationId xmlns:a16="http://schemas.microsoft.com/office/drawing/2014/main" id="{B408EADC-EB26-B025-9DDC-47C5ACC5BA61}"/>
+                    <a16:creationId xmlns:a16="http://schemas.microsoft.com/office/drawing/2014/main" id="{974D07CD-5319-9417-2BFD-5BA673EB5084}"/>
                   </a:ext>
                 </a:extLst>
               </p:cNvPr>
@@ -9310,7 +9337,7 @@
             </p:nvSpPr>
             <p:spPr>
               <a:xfrm>
-                <a:off x="2118188" y="26666889"/>
+                <a:off x="1704950" y="26885578"/>
                 <a:ext cx="530861" cy="307648"/>
               </a:xfrm>
               <a:prstGeom prst="rect">
@@ -9354,7 +9381,7 @@
         </p:nvCxnSpPr>
         <p:spPr>
           <a:xfrm flipV="1">
-            <a:off x="4279652" y="25470768"/>
+            <a:off x="3866414" y="25689457"/>
             <a:ext cx="0" cy="720519"/>
           </a:xfrm>
           <a:prstGeom prst="straightConnector1">
@@ -9395,7 +9422,7 @@
         </p:nvCxnSpPr>
         <p:spPr>
           <a:xfrm>
-            <a:off x="4279652" y="26188394"/>
+            <a:off x="3866414" y="26407083"/>
             <a:ext cx="834020" cy="0"/>
           </a:xfrm>
           <a:prstGeom prst="straightConnector1">
@@ -9434,7 +9461,7 @@
         </p:nvSpPr>
         <p:spPr>
           <a:xfrm>
-            <a:off x="4214233" y="26120301"/>
+            <a:off x="3800995" y="26338990"/>
             <a:ext cx="130745" cy="130745"/>
           </a:xfrm>
           <a:prstGeom prst="ellipse">
@@ -9476,8 +9503,8 @@
           </a:p>
         </p:txBody>
       </p:sp>
-      <mc:AlternateContent xmlns:mc="http://schemas.openxmlformats.org/markup-compatibility/2006" xmlns:a14="http://schemas.microsoft.com/office/drawing/2010/main">
-        <mc:Choice Requires="a14">
+      <mc:AlternateContent xmlns:mc="http://schemas.openxmlformats.org/markup-compatibility/2006">
+        <mc:Choice xmlns:a14="http://schemas.microsoft.com/office/drawing/2010/main" Requires="a14">
           <p:sp>
             <p:nvSpPr>
               <p:cNvPr id="131" name="CaixaDeTexto 130">
@@ -9492,7 +9519,7 @@
             </p:nvSpPr>
             <p:spPr>
               <a:xfrm>
-                <a:off x="4935496" y="26206820"/>
+                <a:off x="4522258" y="26425509"/>
                 <a:ext cx="530861" cy="307648"/>
               </a:xfrm>
               <a:prstGeom prst="rect">
@@ -9546,13 +9573,13 @@
             </p:txBody>
           </p:sp>
         </mc:Choice>
-        <mc:Fallback xmlns="">
+        <mc:Fallback>
           <p:sp>
             <p:nvSpPr>
               <p:cNvPr id="131" name="CaixaDeTexto 130">
                 <a:extLst>
                   <a:ext uri="{FF2B5EF4-FFF2-40B4-BE49-F238E27FC236}">
-                    <a16:creationId xmlns:a16="http://schemas.microsoft.com/office/drawing/2014/main" id="{DFC9DB89-96BB-542C-82DA-E79E841480A5}"/>
+                    <a16:creationId xmlns:a16="http://schemas.microsoft.com/office/drawing/2014/main" id="{89606C75-1035-A9FE-E04E-9E7046DA6215}"/>
                   </a:ext>
                 </a:extLst>
               </p:cNvPr>
@@ -9563,7 +9590,7 @@
             </p:nvSpPr>
             <p:spPr>
               <a:xfrm>
-                <a:off x="4935496" y="26206820"/>
+                <a:off x="4522258" y="26425509"/>
                 <a:ext cx="530861" cy="307648"/>
               </a:xfrm>
               <a:prstGeom prst="rect">
@@ -9572,7 +9599,7 @@
               <a:blipFill>
                 <a:blip r:embed="rId23"/>
                 <a:stretch>
-                  <a:fillRect b="-18000"/>
+                  <a:fillRect b="-16000"/>
                 </a:stretch>
               </a:blipFill>
             </p:spPr>
@@ -9591,8 +9618,8 @@
           </p:sp>
         </mc:Fallback>
       </mc:AlternateContent>
-      <mc:AlternateContent xmlns:mc="http://schemas.openxmlformats.org/markup-compatibility/2006" xmlns:a14="http://schemas.microsoft.com/office/drawing/2010/main">
-        <mc:Choice Requires="a14">
+      <mc:AlternateContent xmlns:mc="http://schemas.openxmlformats.org/markup-compatibility/2006">
+        <mc:Choice xmlns:a14="http://schemas.microsoft.com/office/drawing/2010/main" Requires="a14">
           <p:sp>
             <p:nvSpPr>
               <p:cNvPr id="132" name="CaixaDeTexto 131">
@@ -9607,7 +9634,7 @@
             </p:nvSpPr>
             <p:spPr>
               <a:xfrm>
-                <a:off x="3770133" y="25349835"/>
+                <a:off x="3356895" y="25568524"/>
                 <a:ext cx="530861" cy="307648"/>
               </a:xfrm>
               <a:prstGeom prst="rect">
@@ -9661,13 +9688,13 @@
             </p:txBody>
           </p:sp>
         </mc:Choice>
-        <mc:Fallback xmlns="">
+        <mc:Fallback>
           <p:sp>
             <p:nvSpPr>
               <p:cNvPr id="132" name="CaixaDeTexto 131">
                 <a:extLst>
                   <a:ext uri="{FF2B5EF4-FFF2-40B4-BE49-F238E27FC236}">
-                    <a16:creationId xmlns:a16="http://schemas.microsoft.com/office/drawing/2014/main" id="{5396C6E0-2A6E-6C78-9791-9ED884CFDBA3}"/>
+                    <a16:creationId xmlns:a16="http://schemas.microsoft.com/office/drawing/2014/main" id="{8EBF99E1-D579-8618-C19B-A820521F959E}"/>
                   </a:ext>
                 </a:extLst>
               </p:cNvPr>
@@ -9678,7 +9705,7 @@
             </p:nvSpPr>
             <p:spPr>
               <a:xfrm>
-                <a:off x="3770133" y="25349835"/>
+                <a:off x="3356895" y="25568524"/>
                 <a:ext cx="530861" cy="307648"/>
               </a:xfrm>
               <a:prstGeom prst="rect">
@@ -9706,8 +9733,8 @@
           </p:sp>
         </mc:Fallback>
       </mc:AlternateContent>
-      <mc:AlternateContent xmlns:mc="http://schemas.openxmlformats.org/markup-compatibility/2006" xmlns:a14="http://schemas.microsoft.com/office/drawing/2010/main">
-        <mc:Choice Requires="a14">
+      <mc:AlternateContent xmlns:mc="http://schemas.openxmlformats.org/markup-compatibility/2006">
+        <mc:Choice xmlns:a14="http://schemas.microsoft.com/office/drawing/2010/main" Requires="a14">
           <p:sp>
             <p:nvSpPr>
               <p:cNvPr id="156" name="CaixaDeTexto 155">
@@ -9722,7 +9749,7 @@
             </p:nvSpPr>
             <p:spPr>
               <a:xfrm>
-                <a:off x="4455850" y="25719024"/>
+                <a:off x="4042612" y="25937713"/>
                 <a:ext cx="275525" cy="276871"/>
               </a:xfrm>
               <a:prstGeom prst="rect">
@@ -9777,13 +9804,13 @@
             </p:txBody>
           </p:sp>
         </mc:Choice>
-        <mc:Fallback xmlns="">
+        <mc:Fallback>
           <p:sp>
             <p:nvSpPr>
               <p:cNvPr id="156" name="CaixaDeTexto 155">
                 <a:extLst>
                   <a:ext uri="{FF2B5EF4-FFF2-40B4-BE49-F238E27FC236}">
-                    <a16:creationId xmlns:a16="http://schemas.microsoft.com/office/drawing/2014/main" id="{8FDF06F6-4D4D-D46C-E57B-E1FCF2F2A84D}"/>
+                    <a16:creationId xmlns:a16="http://schemas.microsoft.com/office/drawing/2014/main" id="{63C80347-63D0-3A05-83B4-4860B48ADF2A}"/>
                   </a:ext>
                 </a:extLst>
               </p:cNvPr>
@@ -9794,7 +9821,7 @@
             </p:nvSpPr>
             <p:spPr>
               <a:xfrm>
-                <a:off x="4455850" y="25719024"/>
+                <a:off x="4042612" y="25937713"/>
                 <a:ext cx="275525" cy="276871"/>
               </a:xfrm>
               <a:prstGeom prst="rect">
@@ -9836,7 +9863,7 @@
         </p:nvSpPr>
         <p:spPr>
           <a:xfrm>
-            <a:off x="25499409" y="22828195"/>
+            <a:off x="25086171" y="23046884"/>
             <a:ext cx="2184252" cy="645048"/>
           </a:xfrm>
           <a:prstGeom prst="rect">
@@ -9893,7 +9920,7 @@
         </p:nvSpPr>
         <p:spPr>
           <a:xfrm>
-            <a:off x="25242723" y="27693123"/>
+            <a:off x="24829485" y="27911812"/>
             <a:ext cx="2184252" cy="645048"/>
           </a:xfrm>
           <a:prstGeom prst="rect">
@@ -9950,7 +9977,7 @@
         </p:nvSpPr>
         <p:spPr>
           <a:xfrm>
-            <a:off x="1452255" y="19941167"/>
+            <a:off x="1039017" y="20159856"/>
             <a:ext cx="2184252" cy="645048"/>
           </a:xfrm>
           <a:prstGeom prst="rect">
@@ -10007,7 +10034,7 @@
         </p:nvSpPr>
         <p:spPr>
           <a:xfrm>
-            <a:off x="1368432" y="25570823"/>
+            <a:off x="955194" y="25789512"/>
             <a:ext cx="2184252" cy="645048"/>
           </a:xfrm>
           <a:prstGeom prst="rect">
@@ -10066,7 +10093,7 @@
         </p:nvCxnSpPr>
         <p:spPr>
           <a:xfrm flipV="1">
-            <a:off x="4117507" y="15942582"/>
+            <a:off x="3704269" y="16161271"/>
             <a:ext cx="793658" cy="560854"/>
           </a:xfrm>
           <a:prstGeom prst="straightConnector1">
@@ -10105,7 +10132,7 @@
         </p:nvSpPr>
         <p:spPr>
           <a:xfrm>
-            <a:off x="5860259" y="16005596"/>
+            <a:off x="5447021" y="16224285"/>
             <a:ext cx="8362932" cy="1968064"/>
           </a:xfrm>
           <a:prstGeom prst="rect">
@@ -10166,7 +10193,7 @@
         </p:nvCxnSpPr>
         <p:spPr>
           <a:xfrm>
-            <a:off x="5851200" y="16560613"/>
+            <a:off x="5437962" y="16779302"/>
             <a:ext cx="8362932" cy="0"/>
           </a:xfrm>
           <a:prstGeom prst="line">
@@ -10202,7 +10229,7 @@
         </p:nvSpPr>
         <p:spPr>
           <a:xfrm>
-            <a:off x="5929331" y="16681008"/>
+            <a:off x="5516093" y="16899697"/>
             <a:ext cx="7875361" cy="1202124"/>
           </a:xfrm>
           <a:prstGeom prst="rect">
@@ -10388,7 +10415,7 @@
         </p:nvCxnSpPr>
         <p:spPr>
           <a:xfrm flipV="1">
-            <a:off x="2016659" y="16566087"/>
+            <a:off x="1603421" y="16784776"/>
             <a:ext cx="2026463" cy="1416974"/>
           </a:xfrm>
           <a:prstGeom prst="line">
@@ -10426,7 +10453,7 @@
         </p:nvCxnSpPr>
         <p:spPr>
           <a:xfrm flipV="1">
-            <a:off x="2016705" y="17268156"/>
+            <a:off x="1603467" y="17486845"/>
             <a:ext cx="0" cy="720519"/>
           </a:xfrm>
           <a:prstGeom prst="straightConnector1">
@@ -10467,7 +10494,7 @@
         </p:nvCxnSpPr>
         <p:spPr>
           <a:xfrm>
-            <a:off x="2016705" y="17985782"/>
+            <a:off x="1603467" y="18204471"/>
             <a:ext cx="790530" cy="0"/>
           </a:xfrm>
           <a:prstGeom prst="straightConnector1">
@@ -10506,7 +10533,7 @@
         </p:nvSpPr>
         <p:spPr>
           <a:xfrm>
-            <a:off x="1951286" y="17917689"/>
+            <a:off x="1538048" y="18136378"/>
             <a:ext cx="130745" cy="130745"/>
           </a:xfrm>
           <a:prstGeom prst="ellipse">
@@ -10548,8 +10575,8 @@
           </a:p>
         </p:txBody>
       </p:sp>
-      <mc:AlternateContent xmlns:mc="http://schemas.openxmlformats.org/markup-compatibility/2006" xmlns:a14="http://schemas.microsoft.com/office/drawing/2010/main">
-        <mc:Choice Requires="a14">
+      <mc:AlternateContent xmlns:mc="http://schemas.openxmlformats.org/markup-compatibility/2006">
+        <mc:Choice xmlns:a14="http://schemas.microsoft.com/office/drawing/2010/main" Requires="a14">
           <p:sp>
             <p:nvSpPr>
               <p:cNvPr id="72" name="CaixaDeTexto 71">
@@ -10564,7 +10591,7 @@
             </p:nvSpPr>
             <p:spPr>
               <a:xfrm>
-                <a:off x="2533265" y="17631514"/>
+                <a:off x="2120027" y="17850203"/>
                 <a:ext cx="530861" cy="307648"/>
               </a:xfrm>
               <a:prstGeom prst="rect">
@@ -10618,13 +10645,13 @@
             </p:txBody>
           </p:sp>
         </mc:Choice>
-        <mc:Fallback xmlns="">
+        <mc:Fallback>
           <p:sp>
             <p:nvSpPr>
               <p:cNvPr id="72" name="CaixaDeTexto 71">
                 <a:extLst>
                   <a:ext uri="{FF2B5EF4-FFF2-40B4-BE49-F238E27FC236}">
-                    <a16:creationId xmlns:a16="http://schemas.microsoft.com/office/drawing/2014/main" id="{550FF0C8-62E2-EFA5-40C4-E9AEE1D44F1A}"/>
+                    <a16:creationId xmlns:a16="http://schemas.microsoft.com/office/drawing/2014/main" id="{D8A80B4F-72DD-2A8B-138A-CE0FAE630298}"/>
                   </a:ext>
                 </a:extLst>
               </p:cNvPr>
@@ -10635,7 +10662,7 @@
             </p:nvSpPr>
             <p:spPr>
               <a:xfrm>
-                <a:off x="2533265" y="17631514"/>
+                <a:off x="2120027" y="17850203"/>
                 <a:ext cx="530861" cy="307648"/>
               </a:xfrm>
               <a:prstGeom prst="rect">
@@ -10663,8 +10690,8 @@
           </p:sp>
         </mc:Fallback>
       </mc:AlternateContent>
-      <mc:AlternateContent xmlns:mc="http://schemas.openxmlformats.org/markup-compatibility/2006" xmlns:a14="http://schemas.microsoft.com/office/drawing/2010/main">
-        <mc:Choice Requires="a14">
+      <mc:AlternateContent xmlns:mc="http://schemas.openxmlformats.org/markup-compatibility/2006">
+        <mc:Choice xmlns:a14="http://schemas.microsoft.com/office/drawing/2010/main" Requires="a14">
           <p:sp>
             <p:nvSpPr>
               <p:cNvPr id="96" name="CaixaDeTexto 95">
@@ -10679,7 +10706,7 @@
             </p:nvSpPr>
             <p:spPr>
               <a:xfrm>
-                <a:off x="1894780" y="17026739"/>
+                <a:off x="1481542" y="17245428"/>
                 <a:ext cx="530861" cy="307648"/>
               </a:xfrm>
               <a:prstGeom prst="rect">
@@ -10733,13 +10760,13 @@
             </p:txBody>
           </p:sp>
         </mc:Choice>
-        <mc:Fallback xmlns="">
+        <mc:Fallback>
           <p:sp>
             <p:nvSpPr>
               <p:cNvPr id="96" name="CaixaDeTexto 95">
                 <a:extLst>
                   <a:ext uri="{FF2B5EF4-FFF2-40B4-BE49-F238E27FC236}">
-                    <a16:creationId xmlns:a16="http://schemas.microsoft.com/office/drawing/2014/main" id="{D7810DD1-A6F7-B907-2064-C7FC7185CBCE}"/>
+                    <a16:creationId xmlns:a16="http://schemas.microsoft.com/office/drawing/2014/main" id="{787217DE-0054-8E06-B36F-64A619390521}"/>
                   </a:ext>
                 </a:extLst>
               </p:cNvPr>
@@ -10750,7 +10777,7 @@
             </p:nvSpPr>
             <p:spPr>
               <a:xfrm>
-                <a:off x="1894780" y="17026739"/>
+                <a:off x="1481542" y="17245428"/>
                 <a:ext cx="530861" cy="307648"/>
               </a:xfrm>
               <a:prstGeom prst="rect">
@@ -10759,7 +10786,7 @@
               <a:blipFill>
                 <a:blip r:embed="rId27"/>
                 <a:stretch>
-                  <a:fillRect b="-13725"/>
+                  <a:fillRect b="-16000"/>
                 </a:stretch>
               </a:blipFill>
             </p:spPr>
@@ -10794,7 +10821,7 @@
         </p:nvCxnSpPr>
         <p:spPr>
           <a:xfrm flipV="1">
-            <a:off x="4034883" y="15845569"/>
+            <a:off x="3621645" y="16064258"/>
             <a:ext cx="0" cy="720519"/>
           </a:xfrm>
           <a:prstGeom prst="straightConnector1">
@@ -10835,7 +10862,7 @@
         </p:nvCxnSpPr>
         <p:spPr>
           <a:xfrm>
-            <a:off x="4034883" y="16563195"/>
+            <a:off x="3621645" y="16781884"/>
             <a:ext cx="834020" cy="0"/>
           </a:xfrm>
           <a:prstGeom prst="straightConnector1">
@@ -10874,7 +10901,7 @@
         </p:nvSpPr>
         <p:spPr>
           <a:xfrm>
-            <a:off x="3969464" y="16495102"/>
+            <a:off x="3556226" y="16713791"/>
             <a:ext cx="130745" cy="130745"/>
           </a:xfrm>
           <a:prstGeom prst="ellipse">
@@ -10916,8 +10943,8 @@
           </a:p>
         </p:txBody>
       </p:sp>
-      <mc:AlternateContent xmlns:mc="http://schemas.openxmlformats.org/markup-compatibility/2006" xmlns:a14="http://schemas.microsoft.com/office/drawing/2010/main">
-        <mc:Choice Requires="a14">
+      <mc:AlternateContent xmlns:mc="http://schemas.openxmlformats.org/markup-compatibility/2006">
+        <mc:Choice xmlns:a14="http://schemas.microsoft.com/office/drawing/2010/main" Requires="a14">
           <p:sp>
             <p:nvSpPr>
               <p:cNvPr id="111" name="CaixaDeTexto 110">
@@ -10932,7 +10959,7 @@
             </p:nvSpPr>
             <p:spPr>
               <a:xfrm>
-                <a:off x="4690727" y="16581621"/>
+                <a:off x="4277489" y="16800310"/>
                 <a:ext cx="530861" cy="307648"/>
               </a:xfrm>
               <a:prstGeom prst="rect">
@@ -10986,13 +11013,13 @@
             </p:txBody>
           </p:sp>
         </mc:Choice>
-        <mc:Fallback xmlns="">
+        <mc:Fallback>
           <p:sp>
             <p:nvSpPr>
               <p:cNvPr id="111" name="CaixaDeTexto 110">
                 <a:extLst>
                   <a:ext uri="{FF2B5EF4-FFF2-40B4-BE49-F238E27FC236}">
-                    <a16:creationId xmlns:a16="http://schemas.microsoft.com/office/drawing/2014/main" id="{CAD95D78-275A-254A-09E3-E8630F4ED7C1}"/>
+                    <a16:creationId xmlns:a16="http://schemas.microsoft.com/office/drawing/2014/main" id="{9C609533-CEFE-E8D4-1014-CD5CFD8CA47D}"/>
                   </a:ext>
                 </a:extLst>
               </p:cNvPr>
@@ -11003,7 +11030,7 @@
             </p:nvSpPr>
             <p:spPr>
               <a:xfrm>
-                <a:off x="4690727" y="16581621"/>
+                <a:off x="4277489" y="16800310"/>
                 <a:ext cx="530861" cy="307648"/>
               </a:xfrm>
               <a:prstGeom prst="rect">
@@ -11012,7 +11039,7 @@
               <a:blipFill>
                 <a:blip r:embed="rId28"/>
                 <a:stretch>
-                  <a:fillRect b="-15686"/>
+                  <a:fillRect b="-16000"/>
                 </a:stretch>
               </a:blipFill>
             </p:spPr>
@@ -11031,8 +11058,8 @@
           </p:sp>
         </mc:Fallback>
       </mc:AlternateContent>
-      <mc:AlternateContent xmlns:mc="http://schemas.openxmlformats.org/markup-compatibility/2006" xmlns:a14="http://schemas.microsoft.com/office/drawing/2010/main">
-        <mc:Choice Requires="a14">
+      <mc:AlternateContent xmlns:mc="http://schemas.openxmlformats.org/markup-compatibility/2006">
+        <mc:Choice xmlns:a14="http://schemas.microsoft.com/office/drawing/2010/main" Requires="a14">
           <p:sp>
             <p:nvSpPr>
               <p:cNvPr id="112" name="CaixaDeTexto 111">
@@ -11047,7 +11074,7 @@
             </p:nvSpPr>
             <p:spPr>
               <a:xfrm>
-                <a:off x="3526212" y="15691679"/>
+                <a:off x="3112974" y="15910368"/>
                 <a:ext cx="530861" cy="307648"/>
               </a:xfrm>
               <a:prstGeom prst="rect">
@@ -11101,13 +11128,13 @@
             </p:txBody>
           </p:sp>
         </mc:Choice>
-        <mc:Fallback xmlns="">
+        <mc:Fallback>
           <p:sp>
             <p:nvSpPr>
               <p:cNvPr id="112" name="CaixaDeTexto 111">
                 <a:extLst>
                   <a:ext uri="{FF2B5EF4-FFF2-40B4-BE49-F238E27FC236}">
-                    <a16:creationId xmlns:a16="http://schemas.microsoft.com/office/drawing/2014/main" id="{1BEEA395-FD67-2654-8AAF-611DFA57F3C9}"/>
+                    <a16:creationId xmlns:a16="http://schemas.microsoft.com/office/drawing/2014/main" id="{76595AF0-A9AE-87AB-58AD-A0E151FB28DD}"/>
                   </a:ext>
                 </a:extLst>
               </p:cNvPr>
@@ -11118,7 +11145,7 @@
             </p:nvSpPr>
             <p:spPr>
               <a:xfrm>
-                <a:off x="3526212" y="15691679"/>
+                <a:off x="3112974" y="15910368"/>
                 <a:ext cx="530861" cy="307648"/>
               </a:xfrm>
               <a:prstGeom prst="rect">
@@ -11127,7 +11154,7 @@
               <a:blipFill>
                 <a:blip r:embed="rId29"/>
                 <a:stretch>
-                  <a:fillRect b="-15686"/>
+                  <a:fillRect b="-16000"/>
                 </a:stretch>
               </a:blipFill>
             </p:spPr>
@@ -11146,8 +11173,8 @@
           </p:sp>
         </mc:Fallback>
       </mc:AlternateContent>
-      <mc:AlternateContent xmlns:mc="http://schemas.openxmlformats.org/markup-compatibility/2006" xmlns:a14="http://schemas.microsoft.com/office/drawing/2010/main">
-        <mc:Choice Requires="a14">
+      <mc:AlternateContent xmlns:mc="http://schemas.openxmlformats.org/markup-compatibility/2006">
+        <mc:Choice xmlns:a14="http://schemas.microsoft.com/office/drawing/2010/main" Requires="a14">
           <p:sp>
             <p:nvSpPr>
               <p:cNvPr id="113" name="CaixaDeTexto 112">
@@ -11162,7 +11189,7 @@
             </p:nvSpPr>
             <p:spPr>
               <a:xfrm>
-                <a:off x="4603472" y="15570472"/>
+                <a:off x="4190234" y="15789161"/>
                 <a:ext cx="530861" cy="307648"/>
               </a:xfrm>
               <a:prstGeom prst="rect">
@@ -11216,13 +11243,13 @@
             </p:txBody>
           </p:sp>
         </mc:Choice>
-        <mc:Fallback xmlns="">
+        <mc:Fallback>
           <p:sp>
             <p:nvSpPr>
               <p:cNvPr id="113" name="CaixaDeTexto 112">
                 <a:extLst>
                   <a:ext uri="{FF2B5EF4-FFF2-40B4-BE49-F238E27FC236}">
-                    <a16:creationId xmlns:a16="http://schemas.microsoft.com/office/drawing/2014/main" id="{ED9146B5-06D0-D9E1-2962-4A2F861B666D}"/>
+                    <a16:creationId xmlns:a16="http://schemas.microsoft.com/office/drawing/2014/main" id="{D00E544F-03CD-9D0C-42DC-69DEBEBA95A0}"/>
                   </a:ext>
                 </a:extLst>
               </p:cNvPr>
@@ -11233,7 +11260,7 @@
             </p:nvSpPr>
             <p:spPr>
               <a:xfrm>
-                <a:off x="4603472" y="15570472"/>
+                <a:off x="4190234" y="15789161"/>
                 <a:ext cx="530861" cy="307648"/>
               </a:xfrm>
               <a:prstGeom prst="rect">
@@ -11277,7 +11304,7 @@
         </p:nvCxnSpPr>
         <p:spPr>
           <a:xfrm flipV="1">
-            <a:off x="1324386" y="18052159"/>
+            <a:off x="911148" y="18270848"/>
             <a:ext cx="601729" cy="422171"/>
           </a:xfrm>
           <a:prstGeom prst="straightConnector1">
@@ -11302,8 +11329,8 @@
           </a:fontRef>
         </p:style>
       </p:cxnSp>
-      <mc:AlternateContent xmlns:mc="http://schemas.openxmlformats.org/markup-compatibility/2006" xmlns:a14="http://schemas.microsoft.com/office/drawing/2010/main">
-        <mc:Choice Requires="a14">
+      <mc:AlternateContent xmlns:mc="http://schemas.openxmlformats.org/markup-compatibility/2006">
+        <mc:Choice xmlns:a14="http://schemas.microsoft.com/office/drawing/2010/main" Requires="a14">
           <p:sp>
             <p:nvSpPr>
               <p:cNvPr id="115" name="CaixaDeTexto 114">
@@ -11318,7 +11345,7 @@
             </p:nvSpPr>
             <p:spPr>
               <a:xfrm>
-                <a:off x="1488983" y="17669410"/>
+                <a:off x="1075745" y="17888099"/>
                 <a:ext cx="530861" cy="307648"/>
               </a:xfrm>
               <a:prstGeom prst="rect">
@@ -11372,13 +11399,13 @@
             </p:txBody>
           </p:sp>
         </mc:Choice>
-        <mc:Fallback xmlns="">
+        <mc:Fallback>
           <p:sp>
             <p:nvSpPr>
               <p:cNvPr id="115" name="CaixaDeTexto 114">
                 <a:extLst>
                   <a:ext uri="{FF2B5EF4-FFF2-40B4-BE49-F238E27FC236}">
-                    <a16:creationId xmlns:a16="http://schemas.microsoft.com/office/drawing/2014/main" id="{B223769A-B630-5263-54D5-A50CFF0889A6}"/>
+                    <a16:creationId xmlns:a16="http://schemas.microsoft.com/office/drawing/2014/main" id="{7810DF42-246C-1687-15D3-04A463E4B5EE}"/>
                   </a:ext>
                 </a:extLst>
               </p:cNvPr>
@@ -11389,7 +11416,7 @@
             </p:nvSpPr>
             <p:spPr>
               <a:xfrm>
-                <a:off x="1488983" y="17669410"/>
+                <a:off x="1075745" y="17888099"/>
                 <a:ext cx="530861" cy="307648"/>
               </a:xfrm>
               <a:prstGeom prst="rect">
@@ -11398,7 +11425,7 @@
               <a:blipFill>
                 <a:blip r:embed="rId31"/>
                 <a:stretch>
-                  <a:fillRect b="-16000"/>
+                  <a:fillRect b="-13725"/>
                 </a:stretch>
               </a:blipFill>
             </p:spPr>
@@ -11431,7 +11458,7 @@
         </p:nvSpPr>
         <p:spPr>
           <a:xfrm>
-            <a:off x="3829577" y="16084610"/>
+            <a:off x="3416339" y="16303299"/>
             <a:ext cx="391209" cy="167443"/>
           </a:xfrm>
           <a:prstGeom prst="ellipse">
@@ -11478,7 +11505,7 @@
         </p:nvSpPr>
         <p:spPr>
           <a:xfrm>
-            <a:off x="1820170" y="17454035"/>
+            <a:off x="1406932" y="17672724"/>
             <a:ext cx="391209" cy="167443"/>
           </a:xfrm>
           <a:prstGeom prst="ellipse">
@@ -11528,7 +11555,7 @@
         </p:nvSpPr>
         <p:spPr>
           <a:xfrm rot="3123647">
-            <a:off x="4493694" y="16001953"/>
+            <a:off x="4080456" y="16220642"/>
             <a:ext cx="391209" cy="167443"/>
           </a:xfrm>
           <a:prstGeom prst="ellipse">
@@ -11575,7 +11602,7 @@
         </p:nvSpPr>
         <p:spPr>
           <a:xfrm rot="3123647">
-            <a:off x="1558812" y="18094207"/>
+            <a:off x="1145574" y="18312896"/>
             <a:ext cx="391209" cy="167443"/>
           </a:xfrm>
           <a:prstGeom prst="ellipse">
@@ -11622,7 +11649,7 @@
         </p:nvSpPr>
         <p:spPr>
           <a:xfrm rot="5400000">
-            <a:off x="2355325" y="17897287"/>
+            <a:off x="1942087" y="18115976"/>
             <a:ext cx="391209" cy="167443"/>
           </a:xfrm>
           <a:prstGeom prst="ellipse">
@@ -11669,7 +11696,7 @@
         </p:nvSpPr>
         <p:spPr>
           <a:xfrm rot="5400000">
-            <a:off x="4439912" y="16524664"/>
+            <a:off x="4026674" y="16743353"/>
             <a:ext cx="391209" cy="167443"/>
           </a:xfrm>
           <a:prstGeom prst="ellipse">
@@ -11716,7 +11743,7 @@
         </p:nvSpPr>
         <p:spPr>
           <a:xfrm>
-            <a:off x="2608132" y="18005631"/>
+            <a:off x="2194894" y="18224320"/>
             <a:ext cx="53034" cy="45719"/>
           </a:xfrm>
           <a:prstGeom prst="triangle">
@@ -11765,7 +11792,7 @@
         </p:nvSpPr>
         <p:spPr>
           <a:xfrm>
-            <a:off x="4694780" y="16580661"/>
+            <a:off x="4281542" y="16799350"/>
             <a:ext cx="53034" cy="45719"/>
           </a:xfrm>
           <a:prstGeom prst="triangle">
@@ -11814,7 +11841,7 @@
         </p:nvSpPr>
         <p:spPr>
           <a:xfrm rot="16200000">
-            <a:off x="4049948" y="16066555"/>
+            <a:off x="3636710" y="16285244"/>
             <a:ext cx="53034" cy="45719"/>
           </a:xfrm>
           <a:prstGeom prst="triangle">
@@ -11863,7 +11890,7 @@
         </p:nvSpPr>
         <p:spPr>
           <a:xfrm rot="16200000">
-            <a:off x="2039171" y="17433246"/>
+            <a:off x="1625933" y="17651935"/>
             <a:ext cx="53034" cy="45719"/>
           </a:xfrm>
           <a:prstGeom prst="triangle">
@@ -11912,7 +11939,7 @@
         </p:nvSpPr>
         <p:spPr>
           <a:xfrm rot="19655682">
-            <a:off x="1828291" y="18136221"/>
+            <a:off x="1415053" y="18354910"/>
             <a:ext cx="53034" cy="45719"/>
           </a:xfrm>
           <a:prstGeom prst="triangle">
@@ -11961,7 +11988,7 @@
         </p:nvSpPr>
         <p:spPr>
           <a:xfrm rot="19655682">
-            <a:off x="4762441" y="16063050"/>
+            <a:off x="4349203" y="16281739"/>
             <a:ext cx="53034" cy="45719"/>
           </a:xfrm>
           <a:prstGeom prst="triangle">
@@ -11996,8 +12023,8 @@
           </a:p>
         </p:txBody>
       </p:sp>
-      <mc:AlternateContent xmlns:mc="http://schemas.openxmlformats.org/markup-compatibility/2006" xmlns:a14="http://schemas.microsoft.com/office/drawing/2010/main">
-        <mc:Choice Requires="a14">
+      <mc:AlternateContent xmlns:mc="http://schemas.openxmlformats.org/markup-compatibility/2006">
+        <mc:Choice xmlns:a14="http://schemas.microsoft.com/office/drawing/2010/main" Requires="a14">
           <p:sp>
             <p:nvSpPr>
               <p:cNvPr id="165" name="CaixaDeTexto 164">
@@ -12012,7 +12039,7 @@
             </p:nvSpPr>
             <p:spPr>
               <a:xfrm>
-                <a:off x="2491549" y="18159080"/>
+                <a:off x="2078311" y="18377769"/>
                 <a:ext cx="414729" cy="288349"/>
               </a:xfrm>
               <a:prstGeom prst="rect">
@@ -12073,13 +12100,13 @@
             </p:txBody>
           </p:sp>
         </mc:Choice>
-        <mc:Fallback xmlns="">
+        <mc:Fallback>
           <p:sp>
             <p:nvSpPr>
               <p:cNvPr id="165" name="CaixaDeTexto 164">
                 <a:extLst>
                   <a:ext uri="{FF2B5EF4-FFF2-40B4-BE49-F238E27FC236}">
-                    <a16:creationId xmlns:a16="http://schemas.microsoft.com/office/drawing/2014/main" id="{DD3A2EBD-83B7-0BAA-943C-AF11DC35FF4E}"/>
+                    <a16:creationId xmlns:a16="http://schemas.microsoft.com/office/drawing/2014/main" id="{5C15C3DE-EF65-20FD-C46F-2BD9174481E6}"/>
                   </a:ext>
                 </a:extLst>
               </p:cNvPr>
@@ -12090,7 +12117,7 @@
             </p:nvSpPr>
             <p:spPr>
               <a:xfrm>
-                <a:off x="2491549" y="18159080"/>
+                <a:off x="2078311" y="18377769"/>
                 <a:ext cx="414729" cy="288349"/>
               </a:xfrm>
               <a:prstGeom prst="rect">
@@ -12118,8 +12145,8 @@
           </p:sp>
         </mc:Fallback>
       </mc:AlternateContent>
-      <mc:AlternateContent xmlns:mc="http://schemas.openxmlformats.org/markup-compatibility/2006" xmlns:a14="http://schemas.microsoft.com/office/drawing/2010/main">
-        <mc:Choice Requires="a14">
+      <mc:AlternateContent xmlns:mc="http://schemas.openxmlformats.org/markup-compatibility/2006">
+        <mc:Choice xmlns:a14="http://schemas.microsoft.com/office/drawing/2010/main" Requires="a14">
           <p:sp>
             <p:nvSpPr>
               <p:cNvPr id="166" name="CaixaDeTexto 165">
@@ -12134,7 +12161,7 @@
             </p:nvSpPr>
             <p:spPr>
               <a:xfrm>
-                <a:off x="1500100" y="17154979"/>
+                <a:off x="1086862" y="17373668"/>
                 <a:ext cx="420756" cy="298095"/>
               </a:xfrm>
               <a:prstGeom prst="rect">
@@ -12195,13 +12222,13 @@
             </p:txBody>
           </p:sp>
         </mc:Choice>
-        <mc:Fallback xmlns="">
+        <mc:Fallback>
           <p:sp>
             <p:nvSpPr>
               <p:cNvPr id="166" name="CaixaDeTexto 165">
                 <a:extLst>
                   <a:ext uri="{FF2B5EF4-FFF2-40B4-BE49-F238E27FC236}">
-                    <a16:creationId xmlns:a16="http://schemas.microsoft.com/office/drawing/2014/main" id="{CBAA189F-5259-BF22-766B-622E71B6B08F}"/>
+                    <a16:creationId xmlns:a16="http://schemas.microsoft.com/office/drawing/2014/main" id="{C3B8CC0F-1BBD-23DA-A837-502A1F7476CA}"/>
                   </a:ext>
                 </a:extLst>
               </p:cNvPr>
@@ -12212,7 +12239,7 @@
             </p:nvSpPr>
             <p:spPr>
               <a:xfrm>
-                <a:off x="1500100" y="17154979"/>
+                <a:off x="1086862" y="17373668"/>
                 <a:ext cx="420756" cy="298095"/>
               </a:xfrm>
               <a:prstGeom prst="rect">
@@ -12240,8 +12267,8 @@
           </p:sp>
         </mc:Fallback>
       </mc:AlternateContent>
-      <mc:AlternateContent xmlns:mc="http://schemas.openxmlformats.org/markup-compatibility/2006" xmlns:a14="http://schemas.microsoft.com/office/drawing/2010/main">
-        <mc:Choice Requires="a14">
+      <mc:AlternateContent xmlns:mc="http://schemas.openxmlformats.org/markup-compatibility/2006">
+        <mc:Choice xmlns:a14="http://schemas.microsoft.com/office/drawing/2010/main" Requires="a14">
           <p:sp>
             <p:nvSpPr>
               <p:cNvPr id="167" name="CaixaDeTexto 166">
@@ -12256,7 +12283,7 @@
             </p:nvSpPr>
             <p:spPr>
               <a:xfrm>
-                <a:off x="1527064" y="18330124"/>
+                <a:off x="1113826" y="18548813"/>
                 <a:ext cx="404341" cy="288349"/>
               </a:xfrm>
               <a:prstGeom prst="rect">
@@ -12317,13 +12344,13 @@
             </p:txBody>
           </p:sp>
         </mc:Choice>
-        <mc:Fallback xmlns="">
+        <mc:Fallback>
           <p:sp>
             <p:nvSpPr>
               <p:cNvPr id="167" name="CaixaDeTexto 166">
                 <a:extLst>
                   <a:ext uri="{FF2B5EF4-FFF2-40B4-BE49-F238E27FC236}">
-                    <a16:creationId xmlns:a16="http://schemas.microsoft.com/office/drawing/2014/main" id="{257298AF-59DE-8461-F041-77DFAAA412D8}"/>
+                    <a16:creationId xmlns:a16="http://schemas.microsoft.com/office/drawing/2014/main" id="{8A0B5778-156A-99EB-852A-D2CFBA9BAC69}"/>
                   </a:ext>
                 </a:extLst>
               </p:cNvPr>
@@ -12334,7 +12361,7 @@
             </p:nvSpPr>
             <p:spPr>
               <a:xfrm>
-                <a:off x="1527064" y="18330124"/>
+                <a:off x="1113826" y="18548813"/>
                 <a:ext cx="404341" cy="288349"/>
               </a:xfrm>
               <a:prstGeom prst="rect">
@@ -12362,8 +12389,8 @@
           </p:sp>
         </mc:Fallback>
       </mc:AlternateContent>
-      <mc:AlternateContent xmlns:mc="http://schemas.openxmlformats.org/markup-compatibility/2006" xmlns:a14="http://schemas.microsoft.com/office/drawing/2010/main">
-        <mc:Choice Requires="a14">
+      <mc:AlternateContent xmlns:mc="http://schemas.openxmlformats.org/markup-compatibility/2006">
+        <mc:Choice xmlns:a14="http://schemas.microsoft.com/office/drawing/2010/main" Requires="a14">
           <p:sp>
             <p:nvSpPr>
               <p:cNvPr id="168" name="CaixaDeTexto 167">
@@ -12378,7 +12405,7 @@
             </p:nvSpPr>
             <p:spPr>
               <a:xfrm>
-                <a:off x="4423865" y="16764389"/>
+                <a:off x="4010627" y="16983078"/>
                 <a:ext cx="414729" cy="288349"/>
               </a:xfrm>
               <a:prstGeom prst="rect">
@@ -12439,13 +12466,13 @@
             </p:txBody>
           </p:sp>
         </mc:Choice>
-        <mc:Fallback xmlns="">
+        <mc:Fallback>
           <p:sp>
             <p:nvSpPr>
               <p:cNvPr id="168" name="CaixaDeTexto 167">
                 <a:extLst>
                   <a:ext uri="{FF2B5EF4-FFF2-40B4-BE49-F238E27FC236}">
-                    <a16:creationId xmlns:a16="http://schemas.microsoft.com/office/drawing/2014/main" id="{85EC3170-6E21-0433-E2F9-9F6E6CA767B4}"/>
+                    <a16:creationId xmlns:a16="http://schemas.microsoft.com/office/drawing/2014/main" id="{2B1DE725-253E-2C19-6A00-71B871ECD014}"/>
                   </a:ext>
                 </a:extLst>
               </p:cNvPr>
@@ -12456,7 +12483,7 @@
             </p:nvSpPr>
             <p:spPr>
               <a:xfrm>
-                <a:off x="4423865" y="16764389"/>
+                <a:off x="4010627" y="16983078"/>
                 <a:ext cx="414729" cy="288349"/>
               </a:xfrm>
               <a:prstGeom prst="rect">
@@ -12484,8 +12511,8 @@
           </p:sp>
         </mc:Fallback>
       </mc:AlternateContent>
-      <mc:AlternateContent xmlns:mc="http://schemas.openxmlformats.org/markup-compatibility/2006" xmlns:a14="http://schemas.microsoft.com/office/drawing/2010/main">
-        <mc:Choice Requires="a14">
+      <mc:AlternateContent xmlns:mc="http://schemas.openxmlformats.org/markup-compatibility/2006">
+        <mc:Choice xmlns:a14="http://schemas.microsoft.com/office/drawing/2010/main" Requires="a14">
           <p:sp>
             <p:nvSpPr>
               <p:cNvPr id="169" name="CaixaDeTexto 168">
@@ -12500,7 +12527,7 @@
             </p:nvSpPr>
             <p:spPr>
               <a:xfrm>
-                <a:off x="3425183" y="16104366"/>
+                <a:off x="3011945" y="16323055"/>
                 <a:ext cx="420756" cy="298095"/>
               </a:xfrm>
               <a:prstGeom prst="rect">
@@ -12561,13 +12588,13 @@
             </p:txBody>
           </p:sp>
         </mc:Choice>
-        <mc:Fallback xmlns="">
+        <mc:Fallback>
           <p:sp>
             <p:nvSpPr>
               <p:cNvPr id="169" name="CaixaDeTexto 168">
                 <a:extLst>
                   <a:ext uri="{FF2B5EF4-FFF2-40B4-BE49-F238E27FC236}">
-                    <a16:creationId xmlns:a16="http://schemas.microsoft.com/office/drawing/2014/main" id="{CB0786E9-6DED-D82A-C68A-F53D77739E19}"/>
+                    <a16:creationId xmlns:a16="http://schemas.microsoft.com/office/drawing/2014/main" id="{B79159A3-B5DD-246F-FF76-2803B4A14C3B}"/>
                   </a:ext>
                 </a:extLst>
               </p:cNvPr>
@@ -12578,7 +12605,7 @@
             </p:nvSpPr>
             <p:spPr>
               <a:xfrm>
-                <a:off x="3425183" y="16104366"/>
+                <a:off x="3011945" y="16323055"/>
                 <a:ext cx="420756" cy="298095"/>
               </a:xfrm>
               <a:prstGeom prst="rect">
@@ -12606,8 +12633,8 @@
           </p:sp>
         </mc:Fallback>
       </mc:AlternateContent>
-      <mc:AlternateContent xmlns:mc="http://schemas.openxmlformats.org/markup-compatibility/2006" xmlns:a14="http://schemas.microsoft.com/office/drawing/2010/main">
-        <mc:Choice Requires="a14">
+      <mc:AlternateContent xmlns:mc="http://schemas.openxmlformats.org/markup-compatibility/2006">
+        <mc:Choice xmlns:a14="http://schemas.microsoft.com/office/drawing/2010/main" Requires="a14">
           <p:sp>
             <p:nvSpPr>
               <p:cNvPr id="170" name="CaixaDeTexto 169">
@@ -12622,7 +12649,7 @@
             </p:nvSpPr>
             <p:spPr>
               <a:xfrm>
-                <a:off x="4914572" y="15988582"/>
+                <a:off x="4501334" y="16207271"/>
                 <a:ext cx="404341" cy="288349"/>
               </a:xfrm>
               <a:prstGeom prst="rect">
@@ -12683,13 +12710,13 @@
             </p:txBody>
           </p:sp>
         </mc:Choice>
-        <mc:Fallback xmlns="">
+        <mc:Fallback>
           <p:sp>
             <p:nvSpPr>
               <p:cNvPr id="170" name="CaixaDeTexto 169">
                 <a:extLst>
                   <a:ext uri="{FF2B5EF4-FFF2-40B4-BE49-F238E27FC236}">
-                    <a16:creationId xmlns:a16="http://schemas.microsoft.com/office/drawing/2014/main" id="{32B451FA-89A4-FD8B-3BAA-FDFE70C54B3F}"/>
+                    <a16:creationId xmlns:a16="http://schemas.microsoft.com/office/drawing/2014/main" id="{7AA5723A-9CCF-BBDF-E5BB-6C1BE3B07631}"/>
                   </a:ext>
                 </a:extLst>
               </p:cNvPr>
@@ -12700,7 +12727,7 @@
             </p:nvSpPr>
             <p:spPr>
               <a:xfrm>
-                <a:off x="4914572" y="15988582"/>
+                <a:off x="4501334" y="16207271"/>
                 <a:ext cx="404341" cy="288349"/>
               </a:xfrm>
               <a:prstGeom prst="rect">
@@ -12742,7 +12769,7 @@
         </p:nvSpPr>
         <p:spPr>
           <a:xfrm>
-            <a:off x="1240212" y="15874243"/>
+            <a:off x="826974" y="16092932"/>
             <a:ext cx="2184252" cy="645048"/>
           </a:xfrm>
           <a:prstGeom prst="rect">
@@ -12799,7 +12826,7 @@
         </p:nvSpPr>
         <p:spPr>
           <a:xfrm>
-            <a:off x="2013282" y="27396918"/>
+            <a:off x="1600044" y="27615607"/>
             <a:ext cx="456966" cy="440006"/>
           </a:xfrm>
           <a:prstGeom prst="ellipse">
@@ -12846,7 +12873,7 @@
         </p:nvSpPr>
         <p:spPr>
           <a:xfrm>
-            <a:off x="4047443" y="25955809"/>
+            <a:off x="3634205" y="26174498"/>
             <a:ext cx="456966" cy="440006"/>
           </a:xfrm>
           <a:prstGeom prst="ellipse">
@@ -12893,7 +12920,7 @@
         </p:nvSpPr>
         <p:spPr>
           <a:xfrm rot="17901242">
-            <a:off x="2260577" y="27376181"/>
+            <a:off x="1847339" y="27594870"/>
             <a:ext cx="77577" cy="66877"/>
           </a:xfrm>
           <a:prstGeom prst="triangle">
@@ -12939,7 +12966,7 @@
         </p:nvSpPr>
         <p:spPr>
           <a:xfrm rot="17901242">
-            <a:off x="4296952" y="25936294"/>
+            <a:off x="3883714" y="26154983"/>
             <a:ext cx="77577" cy="66877"/>
           </a:xfrm>
           <a:prstGeom prst="triangle">
@@ -12971,8 +12998,8 @@
           </a:p>
         </p:txBody>
       </p:sp>
-      <mc:AlternateContent xmlns:mc="http://schemas.openxmlformats.org/markup-compatibility/2006" xmlns:a14="http://schemas.microsoft.com/office/drawing/2010/main">
-        <mc:Choice Requires="a14">
+      <mc:AlternateContent xmlns:mc="http://schemas.openxmlformats.org/markup-compatibility/2006">
+        <mc:Choice xmlns:a14="http://schemas.microsoft.com/office/drawing/2010/main" Requires="a14">
           <p:sp>
             <p:nvSpPr>
               <p:cNvPr id="183" name="CaixaDeTexto 182">
@@ -12987,7 +13014,7 @@
             </p:nvSpPr>
             <p:spPr>
               <a:xfrm>
-                <a:off x="1798108" y="27163356"/>
+                <a:off x="1384870" y="27382045"/>
                 <a:ext cx="270202" cy="276871"/>
               </a:xfrm>
               <a:prstGeom prst="rect">
@@ -13043,13 +13070,13 @@
             </p:txBody>
           </p:sp>
         </mc:Choice>
-        <mc:Fallback xmlns="">
+        <mc:Fallback>
           <p:sp>
             <p:nvSpPr>
               <p:cNvPr id="183" name="CaixaDeTexto 182">
                 <a:extLst>
                   <a:ext uri="{FF2B5EF4-FFF2-40B4-BE49-F238E27FC236}">
-                    <a16:creationId xmlns:a16="http://schemas.microsoft.com/office/drawing/2014/main" id="{E72B742A-24F9-4B13-881F-239EB433E7D1}"/>
+                    <a16:creationId xmlns:a16="http://schemas.microsoft.com/office/drawing/2014/main" id="{4C6D398D-63EE-B016-C665-F5348CF0658C}"/>
                   </a:ext>
                 </a:extLst>
               </p:cNvPr>
@@ -13060,7 +13087,7 @@
             </p:nvSpPr>
             <p:spPr>
               <a:xfrm>
-                <a:off x="1798108" y="27163356"/>
+                <a:off x="1384870" y="27382045"/>
                 <a:ext cx="270202" cy="276871"/>
               </a:xfrm>
               <a:prstGeom prst="rect">
@@ -13069,7 +13096,7 @@
               <a:blipFill>
                 <a:blip r:embed="rId38"/>
                 <a:stretch>
-                  <a:fillRect l="-20455" r="-9091" b="-15556"/>
+                  <a:fillRect l="-20000" r="-6667" b="-15556"/>
                 </a:stretch>
               </a:blipFill>
             </p:spPr>
@@ -13104,7 +13131,7 @@
         </p:nvCxnSpPr>
         <p:spPr>
           <a:xfrm flipV="1">
-            <a:off x="41024347" y="21764960"/>
+            <a:off x="40611109" y="21983649"/>
             <a:ext cx="0" cy="720519"/>
           </a:xfrm>
           <a:prstGeom prst="straightConnector1">
@@ -13145,7 +13172,7 @@
         </p:nvCxnSpPr>
         <p:spPr>
           <a:xfrm>
-            <a:off x="41024347" y="22482586"/>
+            <a:off x="40611109" y="22701275"/>
             <a:ext cx="790530" cy="0"/>
           </a:xfrm>
           <a:prstGeom prst="straightConnector1">
@@ -13186,7 +13213,7 @@
         </p:nvCxnSpPr>
         <p:spPr>
           <a:xfrm>
-            <a:off x="39984295" y="20627912"/>
+            <a:off x="39571057" y="20846601"/>
             <a:ext cx="790530" cy="0"/>
           </a:xfrm>
           <a:prstGeom prst="straightConnector1">
@@ -13227,7 +13254,7 @@
         </p:nvCxnSpPr>
         <p:spPr>
           <a:xfrm flipV="1">
-            <a:off x="39984295" y="19910286"/>
+            <a:off x="39571057" y="20128975"/>
             <a:ext cx="0" cy="720519"/>
           </a:xfrm>
           <a:prstGeom prst="straightConnector1">
@@ -13266,7 +13293,7 @@
         </p:nvSpPr>
         <p:spPr>
           <a:xfrm>
-            <a:off x="38944633" y="20627914"/>
+            <a:off x="38531395" y="20846603"/>
             <a:ext cx="2057024" cy="1851095"/>
           </a:xfrm>
           <a:prstGeom prst="triangle">
@@ -13318,7 +13345,7 @@
         </p:nvSpPr>
         <p:spPr>
           <a:xfrm>
-            <a:off x="39918924" y="20562541"/>
+            <a:off x="39505686" y="20781230"/>
             <a:ext cx="130745" cy="130745"/>
           </a:xfrm>
           <a:prstGeom prst="ellipse">
@@ -13374,7 +13401,7 @@
         </p:nvSpPr>
         <p:spPr>
           <a:xfrm>
-            <a:off x="40958928" y="22414493"/>
+            <a:off x="40545690" y="22633182"/>
             <a:ext cx="130745" cy="130745"/>
           </a:xfrm>
           <a:prstGeom prst="ellipse">
@@ -13432,7 +13459,7 @@
             </p:nvSpPr>
             <p:spPr>
               <a:xfrm>
-                <a:off x="40503251" y="20256850"/>
+                <a:off x="40090013" y="20475539"/>
                 <a:ext cx="530861" cy="307648"/>
               </a:xfrm>
               <a:prstGeom prst="rect">
@@ -13503,7 +13530,7 @@
             </p:nvSpPr>
             <p:spPr>
               <a:xfrm>
-                <a:off x="40503251" y="20256850"/>
+                <a:off x="40090013" y="20475539"/>
                 <a:ext cx="530861" cy="307648"/>
               </a:xfrm>
               <a:prstGeom prst="rect">
@@ -13547,7 +13574,7 @@
             </p:nvSpPr>
             <p:spPr>
               <a:xfrm>
-                <a:off x="39514227" y="19866951"/>
+                <a:off x="39100989" y="20085640"/>
                 <a:ext cx="530861" cy="307648"/>
               </a:xfrm>
               <a:prstGeom prst="rect">
@@ -13618,7 +13645,7 @@
             </p:nvSpPr>
             <p:spPr>
               <a:xfrm>
-                <a:off x="39514227" y="19866951"/>
+                <a:off x="39100989" y="20085640"/>
                 <a:ext cx="530861" cy="307648"/>
               </a:xfrm>
               <a:prstGeom prst="rect">
@@ -13627,7 +13654,7 @@
               <a:blipFill>
                 <a:blip r:embed="rId40"/>
                 <a:stretch>
-                  <a:fillRect b="-18000"/>
+                  <a:fillRect b="-16000"/>
                 </a:stretch>
               </a:blipFill>
             </p:spPr>
@@ -13662,7 +13689,7 @@
         </p:nvCxnSpPr>
         <p:spPr>
           <a:xfrm>
-            <a:off x="38926966" y="22471890"/>
+            <a:off x="38513728" y="22690579"/>
             <a:ext cx="790530" cy="0"/>
           </a:xfrm>
           <a:prstGeom prst="straightConnector1">
@@ -13703,7 +13730,7 @@
         </p:nvCxnSpPr>
         <p:spPr>
           <a:xfrm flipV="1">
-            <a:off x="38926966" y="21754264"/>
+            <a:off x="38513728" y="21972953"/>
             <a:ext cx="0" cy="720519"/>
           </a:xfrm>
           <a:prstGeom prst="straightConnector1">
@@ -13742,7 +13769,7 @@
         </p:nvSpPr>
         <p:spPr>
           <a:xfrm>
-            <a:off x="38861595" y="22406519"/>
+            <a:off x="38448357" y="22625208"/>
             <a:ext cx="130745" cy="130745"/>
           </a:xfrm>
           <a:prstGeom prst="ellipse">
@@ -13800,7 +13827,7 @@
             </p:nvSpPr>
             <p:spPr>
               <a:xfrm>
-                <a:off x="39422258" y="22479007"/>
+                <a:off x="39009020" y="22697696"/>
                 <a:ext cx="530861" cy="307648"/>
               </a:xfrm>
               <a:prstGeom prst="rect">
@@ -13871,7 +13898,7 @@
             </p:nvSpPr>
             <p:spPr>
               <a:xfrm>
-                <a:off x="39422258" y="22479007"/>
+                <a:off x="39009020" y="22697696"/>
                 <a:ext cx="530861" cy="307648"/>
               </a:xfrm>
               <a:prstGeom prst="rect">
@@ -13880,7 +13907,7 @@
               <a:blipFill>
                 <a:blip r:embed="rId41"/>
                 <a:stretch>
-                  <a:fillRect b="-16000"/>
+                  <a:fillRect b="-15686"/>
                 </a:stretch>
               </a:blipFill>
             </p:spPr>
@@ -13915,7 +13942,7 @@
             </p:nvSpPr>
             <p:spPr>
               <a:xfrm>
-                <a:off x="38494033" y="21842299"/>
+                <a:off x="38080795" y="22060988"/>
                 <a:ext cx="530861" cy="307648"/>
               </a:xfrm>
               <a:prstGeom prst="rect">
@@ -13986,7 +14013,7 @@
             </p:nvSpPr>
             <p:spPr>
               <a:xfrm>
-                <a:off x="38494033" y="21842299"/>
+                <a:off x="38080795" y="22060988"/>
                 <a:ext cx="530861" cy="307648"/>
               </a:xfrm>
               <a:prstGeom prst="rect">
@@ -13995,7 +14022,7 @@
               <a:blipFill>
                 <a:blip r:embed="rId42"/>
                 <a:stretch>
-                  <a:fillRect b="-15686"/>
+                  <a:fillRect b="-16000"/>
                 </a:stretch>
               </a:blipFill>
             </p:spPr>
@@ -14030,7 +14057,7 @@
             </p:nvSpPr>
             <p:spPr>
               <a:xfrm>
-                <a:off x="41555190" y="22481095"/>
+                <a:off x="41141952" y="22699784"/>
                 <a:ext cx="530861" cy="307648"/>
               </a:xfrm>
               <a:prstGeom prst="rect">
@@ -14101,7 +14128,7 @@
             </p:nvSpPr>
             <p:spPr>
               <a:xfrm>
-                <a:off x="41555190" y="22481095"/>
+                <a:off x="41141952" y="22699784"/>
                 <a:ext cx="530861" cy="307648"/>
               </a:xfrm>
               <a:prstGeom prst="rect">
@@ -14145,7 +14172,7 @@
             </p:nvSpPr>
             <p:spPr>
               <a:xfrm>
-                <a:off x="40594255" y="21555547"/>
+                <a:off x="40181017" y="21774236"/>
                 <a:ext cx="530861" cy="307648"/>
               </a:xfrm>
               <a:prstGeom prst="rect">
@@ -14216,7 +14243,7 @@
             </p:nvSpPr>
             <p:spPr>
               <a:xfrm>
-                <a:off x="40594255" y="21555547"/>
+                <a:off x="40181017" y="21774236"/>
                 <a:ext cx="530861" cy="307648"/>
               </a:xfrm>
               <a:prstGeom prst="rect">
@@ -14258,7 +14285,7 @@
         </p:nvSpPr>
         <p:spPr>
           <a:xfrm>
-            <a:off x="39480753" y="22914984"/>
+            <a:off x="39067515" y="23133673"/>
             <a:ext cx="2184252" cy="645048"/>
           </a:xfrm>
           <a:prstGeom prst="rect">
@@ -14315,7 +14342,7 @@
         </p:nvSpPr>
         <p:spPr>
           <a:xfrm>
-            <a:off x="41635842" y="21814359"/>
+            <a:off x="41222604" y="22033048"/>
             <a:ext cx="130745" cy="130745"/>
           </a:xfrm>
           <a:prstGeom prst="ellipse">
@@ -14373,7 +14400,7 @@
         </p:nvCxnSpPr>
         <p:spPr>
           <a:xfrm flipV="1">
-            <a:off x="41089673" y="22116609"/>
+            <a:off x="40676435" y="22335298"/>
             <a:ext cx="377263" cy="363256"/>
           </a:xfrm>
           <a:prstGeom prst="straightConnector1">
@@ -14414,7 +14441,7 @@
             </p:nvSpPr>
             <p:spPr>
               <a:xfrm>
-                <a:off x="41214935" y="21066635"/>
+                <a:off x="40801697" y="21285324"/>
                 <a:ext cx="530861" cy="307648"/>
               </a:xfrm>
               <a:prstGeom prst="rect">
@@ -14485,7 +14512,7 @@
             </p:nvSpPr>
             <p:spPr>
               <a:xfrm>
-                <a:off x="41214935" y="21066635"/>
+                <a:off x="40801697" y="21285324"/>
                 <a:ext cx="530861" cy="307648"/>
               </a:xfrm>
               <a:prstGeom prst="rect">
@@ -14529,7 +14556,7 @@
             </p:nvSpPr>
             <p:spPr>
               <a:xfrm>
-                <a:off x="41997714" y="22003058"/>
+                <a:off x="41584476" y="22221747"/>
                 <a:ext cx="530861" cy="307648"/>
               </a:xfrm>
               <a:prstGeom prst="rect">
@@ -14600,7 +14627,7 @@
             </p:nvSpPr>
             <p:spPr>
               <a:xfrm>
-                <a:off x="41997714" y="22003058"/>
+                <a:off x="41584476" y="22221747"/>
                 <a:ext cx="530861" cy="307648"/>
               </a:xfrm>
               <a:prstGeom prst="rect">
@@ -14644,7 +14671,7 @@
             </p:nvSpPr>
             <p:spPr>
               <a:xfrm>
-                <a:off x="41390679" y="22072991"/>
+                <a:off x="40977441" y="22291680"/>
                 <a:ext cx="530861" cy="307648"/>
               </a:xfrm>
               <a:prstGeom prst="rect">
@@ -14715,7 +14742,7 @@
             </p:nvSpPr>
             <p:spPr>
               <a:xfrm>
-                <a:off x="41390679" y="22072991"/>
+                <a:off x="40977441" y="22291680"/>
                 <a:ext cx="530861" cy="307648"/>
               </a:xfrm>
               <a:prstGeom prst="rect">
@@ -14759,7 +14786,7 @@
             </p:nvSpPr>
             <p:spPr>
               <a:xfrm>
-                <a:off x="41820725" y="21172838"/>
+                <a:off x="41407487" y="21391527"/>
                 <a:ext cx="530861" cy="307648"/>
               </a:xfrm>
               <a:prstGeom prst="rect">
@@ -14830,7 +14857,7 @@
             </p:nvSpPr>
             <p:spPr>
               <a:xfrm>
-                <a:off x="41820725" y="21172838"/>
+                <a:off x="41407487" y="21391527"/>
                 <a:ext cx="530861" cy="307648"/>
               </a:xfrm>
               <a:prstGeom prst="rect">
@@ -14874,7 +14901,7 @@
         </p:nvCxnSpPr>
         <p:spPr>
           <a:xfrm rot="5400000" flipH="1" flipV="1">
-            <a:off x="14106688" y="6187913"/>
+            <a:off x="13693450" y="6406602"/>
             <a:ext cx="1720965" cy="14112355"/>
           </a:xfrm>
           <a:prstGeom prst="bentConnector3">
@@ -14925,7 +14952,7 @@
             </p:nvSpPr>
             <p:spPr>
               <a:xfrm>
-                <a:off x="40189603" y="19903294"/>
+                <a:off x="39776365" y="20121983"/>
                 <a:ext cx="530861" cy="307648"/>
               </a:xfrm>
               <a:prstGeom prst="rect">
@@ -14996,7 +15023,7 @@
             </p:nvSpPr>
             <p:spPr>
               <a:xfrm>
-                <a:off x="40189603" y="19903294"/>
+                <a:off x="39776365" y="20121983"/>
                 <a:ext cx="530861" cy="307648"/>
               </a:xfrm>
               <a:prstGeom prst="rect">
@@ -15040,7 +15067,7 @@
             </p:nvSpPr>
             <p:spPr>
               <a:xfrm flipH="1">
-                <a:off x="39130029" y="21831541"/>
+                <a:off x="38716791" y="22050230"/>
                 <a:ext cx="803973" cy="307648"/>
               </a:xfrm>
               <a:prstGeom prst="rect">
@@ -15111,7 +15138,7 @@
             </p:nvSpPr>
             <p:spPr>
               <a:xfrm flipH="1">
-                <a:off x="39130029" y="21831541"/>
+                <a:off x="38716791" y="22050230"/>
                 <a:ext cx="803973" cy="307648"/>
               </a:xfrm>
               <a:prstGeom prst="rect">
@@ -15155,7 +15182,7 @@
         </p:nvCxnSpPr>
         <p:spPr>
           <a:xfrm rot="16200000" flipV="1">
-            <a:off x="28128050" y="6278904"/>
+            <a:off x="27714812" y="6497593"/>
             <a:ext cx="1720965" cy="13930371"/>
           </a:xfrm>
           <a:prstGeom prst="bentConnector3">
@@ -15204,7 +15231,7 @@
         </p:nvSpPr>
         <p:spPr>
           <a:xfrm>
-            <a:off x="17841881" y="10608411"/>
+            <a:off x="17428643" y="10827100"/>
             <a:ext cx="8362932" cy="1775197"/>
           </a:xfrm>
           <a:prstGeom prst="rect">
@@ -15255,7 +15282,7 @@
         </p:nvSpPr>
         <p:spPr>
           <a:xfrm>
-            <a:off x="17910954" y="11283823"/>
+            <a:off x="17497716" y="11502512"/>
             <a:ext cx="7875361" cy="924677"/>
           </a:xfrm>
           <a:prstGeom prst="rect">
@@ -15432,7 +15459,7 @@
         </p:nvCxnSpPr>
         <p:spPr>
           <a:xfrm flipH="1" flipV="1">
-            <a:off x="22013713" y="12383608"/>
+            <a:off x="21600475" y="12602297"/>
             <a:ext cx="9634" cy="1694381"/>
           </a:xfrm>
           <a:prstGeom prst="straightConnector1">
@@ -15484,7 +15511,7 @@
         </p:nvCxnSpPr>
         <p:spPr>
           <a:xfrm flipH="1" flipV="1">
-            <a:off x="22025884" y="10043523"/>
+            <a:off x="21612646" y="10262212"/>
             <a:ext cx="2142" cy="595471"/>
           </a:xfrm>
           <a:prstGeom prst="straightConnector1">
@@ -15523,7 +15550,7 @@
         </p:nvSpPr>
         <p:spPr>
           <a:xfrm>
-            <a:off x="5845422" y="22826203"/>
+            <a:off x="5432184" y="23044892"/>
             <a:ext cx="8362932" cy="2035117"/>
           </a:xfrm>
           <a:prstGeom prst="rect">
@@ -15579,7 +15606,7 @@
         </p:nvSpPr>
         <p:spPr>
           <a:xfrm>
-            <a:off x="5914494" y="23501614"/>
+            <a:off x="5501256" y="23720303"/>
             <a:ext cx="7875361" cy="1202124"/>
           </a:xfrm>
           <a:prstGeom prst="rect">
@@ -15765,7 +15792,7 @@
         </p:nvSpPr>
         <p:spPr>
           <a:xfrm>
-            <a:off x="29692499" y="20527787"/>
+            <a:off x="29279261" y="20746476"/>
             <a:ext cx="8491264" cy="2176013"/>
           </a:xfrm>
           <a:prstGeom prst="rect">
@@ -15824,7 +15851,7 @@
         </p:nvSpPr>
         <p:spPr>
           <a:xfrm>
-            <a:off x="29758843" y="21152145"/>
+            <a:off x="29345605" y="21370834"/>
             <a:ext cx="8065044" cy="1479572"/>
           </a:xfrm>
           <a:prstGeom prst="rect">
@@ -16084,7 +16111,7 @@
         </p:nvCxnSpPr>
         <p:spPr>
           <a:xfrm flipV="1">
-            <a:off x="4066875" y="19721319"/>
+            <a:off x="3653637" y="19940008"/>
             <a:ext cx="0" cy="720519"/>
           </a:xfrm>
           <a:prstGeom prst="straightConnector1">
@@ -16123,7 +16150,7 @@
         </p:nvSpPr>
         <p:spPr>
           <a:xfrm>
-            <a:off x="29695259" y="25345430"/>
+            <a:off x="29282021" y="25564119"/>
             <a:ext cx="8491264" cy="2350424"/>
           </a:xfrm>
           <a:prstGeom prst="rect">
@@ -16182,7 +16209,7 @@
         </p:nvSpPr>
         <p:spPr>
           <a:xfrm>
-            <a:off x="29766890" y="26055547"/>
+            <a:off x="29353652" y="26274236"/>
             <a:ext cx="7867731" cy="1479572"/>
           </a:xfrm>
           <a:prstGeom prst="rect">
@@ -16440,7 +16467,7 @@
         </p:nvSpPr>
         <p:spPr>
           <a:xfrm>
-            <a:off x="39234180" y="25065990"/>
+            <a:off x="38820942" y="25284679"/>
             <a:ext cx="2587266" cy="2587266"/>
           </a:xfrm>
           <a:prstGeom prst="cube">
@@ -16496,7 +16523,7 @@
         </p:nvCxnSpPr>
         <p:spPr>
           <a:xfrm>
-            <a:off x="39896150" y="25069696"/>
+            <a:off x="39482912" y="25288385"/>
             <a:ext cx="0" cy="1940062"/>
           </a:xfrm>
           <a:prstGeom prst="line">
@@ -16541,7 +16568,7 @@
         </p:nvCxnSpPr>
         <p:spPr>
           <a:xfrm flipH="1">
-            <a:off x="39889870" y="27009758"/>
+            <a:off x="39476632" y="27228447"/>
             <a:ext cx="1922522" cy="0"/>
           </a:xfrm>
           <a:prstGeom prst="line">
@@ -16586,7 +16613,7 @@
         </p:nvCxnSpPr>
         <p:spPr>
           <a:xfrm flipH="1">
-            <a:off x="39234179" y="27009758"/>
+            <a:off x="38820941" y="27228447"/>
             <a:ext cx="664744" cy="641287"/>
           </a:xfrm>
           <a:prstGeom prst="line">
@@ -16631,7 +16658,7 @@
         </p:nvCxnSpPr>
         <p:spPr>
           <a:xfrm flipV="1">
-            <a:off x="39843734" y="24813676"/>
+            <a:off x="39430496" y="25032365"/>
             <a:ext cx="289844" cy="286190"/>
           </a:xfrm>
           <a:prstGeom prst="straightConnector1">
@@ -16672,7 +16699,7 @@
         </p:nvCxnSpPr>
         <p:spPr>
           <a:xfrm>
-            <a:off x="39877758" y="25064304"/>
+            <a:off x="39464520" y="25282993"/>
             <a:ext cx="376959" cy="0"/>
           </a:xfrm>
           <a:prstGeom prst="straightConnector1">
@@ -16713,7 +16740,7 @@
         </p:nvCxnSpPr>
         <p:spPr>
           <a:xfrm flipV="1">
-            <a:off x="39873850" y="24690015"/>
+            <a:off x="39460612" y="24908704"/>
             <a:ext cx="0" cy="365459"/>
           </a:xfrm>
           <a:prstGeom prst="straightConnector1">
@@ -16752,7 +16779,7 @@
         </p:nvSpPr>
         <p:spPr>
           <a:xfrm>
-            <a:off x="39808479" y="24987210"/>
+            <a:off x="39395241" y="25205899"/>
             <a:ext cx="130745" cy="130745"/>
           </a:xfrm>
           <a:prstGeom prst="ellipse">
@@ -16810,7 +16837,7 @@
             </p:nvSpPr>
             <p:spPr>
               <a:xfrm>
-                <a:off x="40098364" y="24766786"/>
+                <a:off x="39685126" y="24985475"/>
                 <a:ext cx="530861" cy="276999"/>
               </a:xfrm>
               <a:prstGeom prst="rect">
@@ -16881,7 +16908,7 @@
             </p:nvSpPr>
             <p:spPr>
               <a:xfrm>
-                <a:off x="40098364" y="24766786"/>
+                <a:off x="39685126" y="24985475"/>
                 <a:ext cx="530861" cy="276999"/>
               </a:xfrm>
               <a:prstGeom prst="rect">
@@ -16925,7 +16952,7 @@
             </p:nvSpPr>
             <p:spPr>
               <a:xfrm>
-                <a:off x="39422811" y="24490411"/>
+                <a:off x="39009573" y="24709100"/>
                 <a:ext cx="530861" cy="276999"/>
               </a:xfrm>
               <a:prstGeom prst="rect">
@@ -16996,7 +17023,7 @@
             </p:nvSpPr>
             <p:spPr>
               <a:xfrm>
-                <a:off x="39422811" y="24490411"/>
+                <a:off x="39009573" y="24709100"/>
                 <a:ext cx="530861" cy="276999"/>
               </a:xfrm>
               <a:prstGeom prst="rect">
@@ -17040,7 +17067,7 @@
             </p:nvSpPr>
             <p:spPr>
               <a:xfrm flipH="1">
-                <a:off x="39755039" y="24551515"/>
+                <a:off x="39341801" y="24770204"/>
                 <a:ext cx="803973" cy="276999"/>
               </a:xfrm>
               <a:prstGeom prst="rect">
@@ -17111,7 +17138,7 @@
             </p:nvSpPr>
             <p:spPr>
               <a:xfrm flipH="1">
-                <a:off x="39755039" y="24551515"/>
+                <a:off x="39341801" y="24770204"/>
                 <a:ext cx="803973" cy="276999"/>
               </a:xfrm>
               <a:prstGeom prst="rect">
@@ -17155,7 +17182,7 @@
         </p:nvCxnSpPr>
         <p:spPr>
           <a:xfrm flipV="1">
-            <a:off x="41791327" y="24822729"/>
+            <a:off x="41378089" y="25041418"/>
             <a:ext cx="289844" cy="286190"/>
           </a:xfrm>
           <a:prstGeom prst="straightConnector1">
@@ -17196,7 +17223,7 @@
         </p:nvCxnSpPr>
         <p:spPr>
           <a:xfrm>
-            <a:off x="41825351" y="25073357"/>
+            <a:off x="41412113" y="25292046"/>
             <a:ext cx="376959" cy="0"/>
           </a:xfrm>
           <a:prstGeom prst="straightConnector1">
@@ -17237,7 +17264,7 @@
         </p:nvCxnSpPr>
         <p:spPr>
           <a:xfrm flipV="1">
-            <a:off x="41821443" y="24699068"/>
+            <a:off x="41408205" y="24917757"/>
             <a:ext cx="0" cy="365459"/>
           </a:xfrm>
           <a:prstGeom prst="straightConnector1">
@@ -17276,7 +17303,7 @@
         </p:nvSpPr>
         <p:spPr>
           <a:xfrm>
-            <a:off x="41756072" y="24996263"/>
+            <a:off x="41342834" y="25214952"/>
             <a:ext cx="130745" cy="130745"/>
           </a:xfrm>
           <a:prstGeom prst="ellipse">
@@ -17334,7 +17361,7 @@
             </p:nvSpPr>
             <p:spPr>
               <a:xfrm>
-                <a:off x="42024590" y="24795050"/>
+                <a:off x="41611352" y="25013739"/>
                 <a:ext cx="530861" cy="276999"/>
               </a:xfrm>
               <a:prstGeom prst="rect">
@@ -17405,7 +17432,7 @@
             </p:nvSpPr>
             <p:spPr>
               <a:xfrm>
-                <a:off x="42024590" y="24795050"/>
+                <a:off x="41611352" y="25013739"/>
                 <a:ext cx="530861" cy="276999"/>
               </a:xfrm>
               <a:prstGeom prst="rect">
@@ -17449,7 +17476,7 @@
             </p:nvSpPr>
             <p:spPr>
               <a:xfrm>
-                <a:off x="41370404" y="24499464"/>
+                <a:off x="40957166" y="24718153"/>
                 <a:ext cx="530861" cy="276999"/>
               </a:xfrm>
               <a:prstGeom prst="rect">
@@ -17520,7 +17547,7 @@
             </p:nvSpPr>
             <p:spPr>
               <a:xfrm>
-                <a:off x="41370404" y="24499464"/>
+                <a:off x="40957166" y="24718153"/>
                 <a:ext cx="530861" cy="276999"/>
               </a:xfrm>
               <a:prstGeom prst="rect">
@@ -17564,7 +17591,7 @@
             </p:nvSpPr>
             <p:spPr>
               <a:xfrm flipH="1">
-                <a:off x="41723733" y="24560568"/>
+                <a:off x="41310495" y="24779257"/>
                 <a:ext cx="803973" cy="276999"/>
               </a:xfrm>
               <a:prstGeom prst="rect">
@@ -17635,7 +17662,7 @@
             </p:nvSpPr>
             <p:spPr>
               <a:xfrm flipH="1">
-                <a:off x="41723733" y="24560568"/>
+                <a:off x="41310495" y="24779257"/>
                 <a:ext cx="803973" cy="276999"/>
               </a:xfrm>
               <a:prstGeom prst="rect">
@@ -17679,7 +17706,7 @@
         </p:nvCxnSpPr>
         <p:spPr>
           <a:xfrm flipV="1">
-            <a:off x="39209122" y="25448741"/>
+            <a:off x="38795884" y="25667430"/>
             <a:ext cx="289844" cy="286190"/>
           </a:xfrm>
           <a:prstGeom prst="straightConnector1">
@@ -17720,7 +17747,7 @@
         </p:nvCxnSpPr>
         <p:spPr>
           <a:xfrm>
-            <a:off x="39250180" y="25706403"/>
+            <a:off x="38836942" y="25925092"/>
             <a:ext cx="376959" cy="0"/>
           </a:xfrm>
           <a:prstGeom prst="straightConnector1">
@@ -17761,7 +17788,7 @@
         </p:nvCxnSpPr>
         <p:spPr>
           <a:xfrm flipV="1">
-            <a:off x="39246272" y="25332114"/>
+            <a:off x="38833034" y="25550803"/>
             <a:ext cx="0" cy="365459"/>
           </a:xfrm>
           <a:prstGeom prst="straightConnector1">
@@ -17800,7 +17827,7 @@
         </p:nvSpPr>
         <p:spPr>
           <a:xfrm>
-            <a:off x="39180901" y="25629309"/>
+            <a:off x="38767663" y="25847998"/>
             <a:ext cx="130745" cy="130745"/>
           </a:xfrm>
           <a:prstGeom prst="ellipse">
@@ -17858,7 +17885,7 @@
             </p:nvSpPr>
             <p:spPr>
               <a:xfrm>
-                <a:off x="39442385" y="25421062"/>
+                <a:off x="39029147" y="25639751"/>
                 <a:ext cx="530861" cy="276999"/>
               </a:xfrm>
               <a:prstGeom prst="rect">
@@ -17929,7 +17956,7 @@
             </p:nvSpPr>
             <p:spPr>
               <a:xfrm>
-                <a:off x="39442385" y="25421062"/>
+                <a:off x="39029147" y="25639751"/>
                 <a:ext cx="530861" cy="276999"/>
               </a:xfrm>
               <a:prstGeom prst="rect">
@@ -17938,7 +17965,7 @@
               <a:blipFill>
                 <a:blip r:embed="rId57"/>
                 <a:stretch>
-                  <a:fillRect b="-15217"/>
+                  <a:fillRect b="-15556"/>
                 </a:stretch>
               </a:blipFill>
             </p:spPr>
@@ -17973,7 +18000,7 @@
             </p:nvSpPr>
             <p:spPr>
               <a:xfrm>
-                <a:off x="38795233" y="25132510"/>
+                <a:off x="38381995" y="25351199"/>
                 <a:ext cx="530861" cy="276999"/>
               </a:xfrm>
               <a:prstGeom prst="rect">
@@ -18044,7 +18071,7 @@
             </p:nvSpPr>
             <p:spPr>
               <a:xfrm>
-                <a:off x="38795233" y="25132510"/>
+                <a:off x="38381995" y="25351199"/>
                 <a:ext cx="530861" cy="276999"/>
               </a:xfrm>
               <a:prstGeom prst="rect">
@@ -18088,7 +18115,7 @@
             </p:nvSpPr>
             <p:spPr>
               <a:xfrm flipH="1">
-                <a:off x="39020824" y="25127923"/>
+                <a:off x="38607586" y="25346612"/>
                 <a:ext cx="803973" cy="276999"/>
               </a:xfrm>
               <a:prstGeom prst="rect">
@@ -18159,7 +18186,7 @@
             </p:nvSpPr>
             <p:spPr>
               <a:xfrm flipH="1">
-                <a:off x="39020824" y="25127923"/>
+                <a:off x="38607586" y="25346612"/>
                 <a:ext cx="803973" cy="276999"/>
               </a:xfrm>
               <a:prstGeom prst="rect">
@@ -18168,7 +18195,7 @@
               <a:blipFill>
                 <a:blip r:embed="rId59"/>
                 <a:stretch>
-                  <a:fillRect b="-17778"/>
+                  <a:fillRect b="-15556"/>
                 </a:stretch>
               </a:blipFill>
             </p:spPr>
@@ -18203,7 +18230,7 @@
         </p:nvCxnSpPr>
         <p:spPr>
           <a:xfrm flipV="1">
-            <a:off x="41146116" y="25454181"/>
+            <a:off x="40732878" y="25672870"/>
             <a:ext cx="289844" cy="286190"/>
           </a:xfrm>
           <a:prstGeom prst="straightConnector1">
@@ -18244,7 +18271,7 @@
         </p:nvCxnSpPr>
         <p:spPr>
           <a:xfrm>
-            <a:off x="41180140" y="25704809"/>
+            <a:off x="40766902" y="25923498"/>
             <a:ext cx="376959" cy="0"/>
           </a:xfrm>
           <a:prstGeom prst="straightConnector1">
@@ -18285,7 +18312,7 @@
         </p:nvCxnSpPr>
         <p:spPr>
           <a:xfrm flipV="1">
-            <a:off x="41176232" y="25330520"/>
+            <a:off x="40762994" y="25549209"/>
             <a:ext cx="0" cy="365459"/>
           </a:xfrm>
           <a:prstGeom prst="straightConnector1">
@@ -18324,7 +18351,7 @@
         </p:nvSpPr>
         <p:spPr>
           <a:xfrm>
-            <a:off x="41110861" y="25627715"/>
+            <a:off x="40697623" y="25846404"/>
             <a:ext cx="130745" cy="130745"/>
           </a:xfrm>
           <a:prstGeom prst="ellipse">
@@ -18382,7 +18409,7 @@
             </p:nvSpPr>
             <p:spPr>
               <a:xfrm>
-                <a:off x="41372345" y="25665653"/>
+                <a:off x="40959107" y="25884342"/>
                 <a:ext cx="530861" cy="276999"/>
               </a:xfrm>
               <a:prstGeom prst="rect">
@@ -18453,7 +18480,7 @@
             </p:nvSpPr>
             <p:spPr>
               <a:xfrm>
-                <a:off x="41372345" y="25665653"/>
+                <a:off x="40959107" y="25884342"/>
                 <a:ext cx="530861" cy="276999"/>
               </a:xfrm>
               <a:prstGeom prst="rect">
@@ -18497,7 +18524,7 @@
             </p:nvSpPr>
             <p:spPr>
               <a:xfrm>
-                <a:off x="40725193" y="25193295"/>
+                <a:off x="40311955" y="25411984"/>
                 <a:ext cx="530861" cy="276999"/>
               </a:xfrm>
               <a:prstGeom prst="rect">
@@ -18568,7 +18595,7 @@
             </p:nvSpPr>
             <p:spPr>
               <a:xfrm>
-                <a:off x="40725193" y="25193295"/>
+                <a:off x="40311955" y="25411984"/>
                 <a:ext cx="530861" cy="276999"/>
               </a:xfrm>
               <a:prstGeom prst="rect">
@@ -18612,7 +18639,7 @@
             </p:nvSpPr>
             <p:spPr>
               <a:xfrm flipH="1">
-                <a:off x="40947592" y="25144774"/>
+                <a:off x="40534354" y="25363463"/>
                 <a:ext cx="803973" cy="276999"/>
               </a:xfrm>
               <a:prstGeom prst="rect">
@@ -18683,7 +18710,7 @@
             </p:nvSpPr>
             <p:spPr>
               <a:xfrm flipH="1">
-                <a:off x="40947592" y="25144774"/>
+                <a:off x="40534354" y="25363463"/>
                 <a:ext cx="803973" cy="276999"/>
               </a:xfrm>
               <a:prstGeom prst="rect">
@@ -18727,7 +18754,7 @@
         </p:nvCxnSpPr>
         <p:spPr>
           <a:xfrm flipV="1">
-            <a:off x="39864832" y="26760944"/>
+            <a:off x="39451594" y="26979633"/>
             <a:ext cx="289844" cy="286190"/>
           </a:xfrm>
           <a:prstGeom prst="straightConnector1">
@@ -18768,7 +18795,7 @@
         </p:nvCxnSpPr>
         <p:spPr>
           <a:xfrm>
-            <a:off x="39898856" y="27011572"/>
+            <a:off x="39485618" y="27230261"/>
             <a:ext cx="376959" cy="0"/>
           </a:xfrm>
           <a:prstGeom prst="straightConnector1">
@@ -18809,7 +18836,7 @@
         </p:nvCxnSpPr>
         <p:spPr>
           <a:xfrm flipV="1">
-            <a:off x="39894948" y="26637283"/>
+            <a:off x="39481710" y="26855972"/>
             <a:ext cx="0" cy="365459"/>
           </a:xfrm>
           <a:prstGeom prst="straightConnector1">
@@ -18848,7 +18875,7 @@
         </p:nvSpPr>
         <p:spPr>
           <a:xfrm>
-            <a:off x="39829577" y="26934478"/>
+            <a:off x="39416339" y="27153167"/>
             <a:ext cx="130745" cy="130745"/>
           </a:xfrm>
           <a:prstGeom prst="ellipse">
@@ -18906,7 +18933,7 @@
             </p:nvSpPr>
             <p:spPr>
               <a:xfrm>
-                <a:off x="40098095" y="26733265"/>
+                <a:off x="39684857" y="26951954"/>
                 <a:ext cx="530861" cy="276999"/>
               </a:xfrm>
               <a:prstGeom prst="rect">
@@ -18977,7 +19004,7 @@
             </p:nvSpPr>
             <p:spPr>
               <a:xfrm>
-                <a:off x="40098095" y="26733265"/>
+                <a:off x="39684857" y="26951954"/>
                 <a:ext cx="530861" cy="276999"/>
               </a:xfrm>
               <a:prstGeom prst="rect">
@@ -19021,7 +19048,7 @@
             </p:nvSpPr>
             <p:spPr>
               <a:xfrm>
-                <a:off x="39443909" y="26437679"/>
+                <a:off x="39030671" y="26656368"/>
                 <a:ext cx="530861" cy="276999"/>
               </a:xfrm>
               <a:prstGeom prst="rect">
@@ -19092,7 +19119,7 @@
             </p:nvSpPr>
             <p:spPr>
               <a:xfrm>
-                <a:off x="39443909" y="26437679"/>
+                <a:off x="39030671" y="26656368"/>
                 <a:ext cx="530861" cy="276999"/>
               </a:xfrm>
               <a:prstGeom prst="rect">
@@ -19136,7 +19163,7 @@
             </p:nvSpPr>
             <p:spPr>
               <a:xfrm flipH="1">
-                <a:off x="39797238" y="26498783"/>
+                <a:off x="39384000" y="26717472"/>
                 <a:ext cx="803973" cy="276999"/>
               </a:xfrm>
               <a:prstGeom prst="rect">
@@ -19207,7 +19234,7 @@
             </p:nvSpPr>
             <p:spPr>
               <a:xfrm flipH="1">
-                <a:off x="39797238" y="26498783"/>
+                <a:off x="39384000" y="26717472"/>
                 <a:ext cx="803973" cy="276999"/>
               </a:xfrm>
               <a:prstGeom prst="rect">
@@ -19251,7 +19278,7 @@
         </p:nvCxnSpPr>
         <p:spPr>
           <a:xfrm flipV="1">
-            <a:off x="39200524" y="27405255"/>
+            <a:off x="38787286" y="27623944"/>
             <a:ext cx="289844" cy="286190"/>
           </a:xfrm>
           <a:prstGeom prst="straightConnector1">
@@ -19292,7 +19319,7 @@
         </p:nvCxnSpPr>
         <p:spPr>
           <a:xfrm>
-            <a:off x="39234548" y="27655883"/>
+            <a:off x="38821310" y="27874572"/>
             <a:ext cx="376959" cy="0"/>
           </a:xfrm>
           <a:prstGeom prst="straightConnector1">
@@ -19333,7 +19360,7 @@
         </p:nvCxnSpPr>
         <p:spPr>
           <a:xfrm flipV="1">
-            <a:off x="39230640" y="27281594"/>
+            <a:off x="38817402" y="27500283"/>
             <a:ext cx="0" cy="365459"/>
           </a:xfrm>
           <a:prstGeom prst="straightConnector1">
@@ -19372,7 +19399,7 @@
         </p:nvSpPr>
         <p:spPr>
           <a:xfrm>
-            <a:off x="39165269" y="27578789"/>
+            <a:off x="38752031" y="27797478"/>
             <a:ext cx="130745" cy="130745"/>
           </a:xfrm>
           <a:prstGeom prst="ellipse">
@@ -19430,7 +19457,7 @@
             </p:nvSpPr>
             <p:spPr>
               <a:xfrm>
-                <a:off x="39426753" y="27370542"/>
+                <a:off x="39013515" y="27589231"/>
                 <a:ext cx="530861" cy="276999"/>
               </a:xfrm>
               <a:prstGeom prst="rect">
@@ -19501,7 +19528,7 @@
             </p:nvSpPr>
             <p:spPr>
               <a:xfrm>
-                <a:off x="39426753" y="27370542"/>
+                <a:off x="39013515" y="27589231"/>
                 <a:ext cx="530861" cy="276999"/>
               </a:xfrm>
               <a:prstGeom prst="rect">
@@ -19545,7 +19572,7 @@
             </p:nvSpPr>
             <p:spPr>
               <a:xfrm>
-                <a:off x="38772004" y="27036104"/>
+                <a:off x="38358766" y="27254793"/>
                 <a:ext cx="530861" cy="276999"/>
               </a:xfrm>
               <a:prstGeom prst="rect">
@@ -19616,7 +19643,7 @@
             </p:nvSpPr>
             <p:spPr>
               <a:xfrm>
-                <a:off x="38772004" y="27036104"/>
+                <a:off x="38358766" y="27254793"/>
                 <a:ext cx="530861" cy="276999"/>
               </a:xfrm>
               <a:prstGeom prst="rect">
@@ -19660,7 +19687,7 @@
             </p:nvSpPr>
             <p:spPr>
               <a:xfrm flipH="1">
-                <a:off x="39038514" y="27087862"/>
+                <a:off x="38625276" y="27306551"/>
                 <a:ext cx="803973" cy="276999"/>
               </a:xfrm>
               <a:prstGeom prst="rect">
@@ -19731,7 +19758,7 @@
             </p:nvSpPr>
             <p:spPr>
               <a:xfrm flipH="1">
-                <a:off x="39038514" y="27087862"/>
+                <a:off x="38625276" y="27306551"/>
                 <a:ext cx="803973" cy="276999"/>
               </a:xfrm>
               <a:prstGeom prst="rect">
@@ -19740,7 +19767,7 @@
               <a:blipFill>
                 <a:blip r:embed="rId68"/>
                 <a:stretch>
-                  <a:fillRect b="-17778"/>
+                  <a:fillRect b="-15217"/>
                 </a:stretch>
               </a:blipFill>
             </p:spPr>
@@ -19775,7 +19802,7 @@
         </p:nvCxnSpPr>
         <p:spPr>
           <a:xfrm flipV="1">
-            <a:off x="41146116" y="27389624"/>
+            <a:off x="40732878" y="27608313"/>
             <a:ext cx="289844" cy="286190"/>
           </a:xfrm>
           <a:prstGeom prst="straightConnector1">
@@ -19816,7 +19843,7 @@
         </p:nvCxnSpPr>
         <p:spPr>
           <a:xfrm>
-            <a:off x="41180140" y="27640252"/>
+            <a:off x="40766902" y="27858941"/>
             <a:ext cx="376959" cy="0"/>
           </a:xfrm>
           <a:prstGeom prst="straightConnector1">
@@ -19857,7 +19884,7 @@
         </p:nvCxnSpPr>
         <p:spPr>
           <a:xfrm flipV="1">
-            <a:off x="41176232" y="27265963"/>
+            <a:off x="40762994" y="27484652"/>
             <a:ext cx="0" cy="365459"/>
           </a:xfrm>
           <a:prstGeom prst="straightConnector1">
@@ -19896,7 +19923,7 @@
         </p:nvSpPr>
         <p:spPr>
           <a:xfrm>
-            <a:off x="41110861" y="27563158"/>
+            <a:off x="40697623" y="27781847"/>
             <a:ext cx="130745" cy="130745"/>
           </a:xfrm>
           <a:prstGeom prst="ellipse">
@@ -19954,7 +19981,7 @@
             </p:nvSpPr>
             <p:spPr>
               <a:xfrm>
-                <a:off x="41358277" y="27629232"/>
+                <a:off x="40945039" y="27847921"/>
                 <a:ext cx="530861" cy="276999"/>
               </a:xfrm>
               <a:prstGeom prst="rect">
@@ -20025,7 +20052,7 @@
             </p:nvSpPr>
             <p:spPr>
               <a:xfrm>
-                <a:off x="41358277" y="27629232"/>
+                <a:off x="40945039" y="27847921"/>
                 <a:ext cx="530861" cy="276999"/>
               </a:xfrm>
               <a:prstGeom prst="rect">
@@ -20069,7 +20096,7 @@
             </p:nvSpPr>
             <p:spPr>
               <a:xfrm>
-                <a:off x="40725193" y="27153235"/>
+                <a:off x="40311955" y="27371924"/>
                 <a:ext cx="530861" cy="276999"/>
               </a:xfrm>
               <a:prstGeom prst="rect">
@@ -20140,7 +20167,7 @@
             </p:nvSpPr>
             <p:spPr>
               <a:xfrm>
-                <a:off x="40725193" y="27153235"/>
+                <a:off x="40311955" y="27371924"/>
                 <a:ext cx="530861" cy="276999"/>
               </a:xfrm>
               <a:prstGeom prst="rect">
@@ -20184,7 +20211,7 @@
             </p:nvSpPr>
             <p:spPr>
               <a:xfrm flipH="1">
-                <a:off x="41213371" y="27305803"/>
+                <a:off x="40800133" y="27524492"/>
                 <a:ext cx="803973" cy="276999"/>
               </a:xfrm>
               <a:prstGeom prst="rect">
@@ -20255,7 +20282,7 @@
             </p:nvSpPr>
             <p:spPr>
               <a:xfrm flipH="1">
-                <a:off x="41213371" y="27305803"/>
+                <a:off x="40800133" y="27524492"/>
                 <a:ext cx="803973" cy="276999"/>
               </a:xfrm>
               <a:prstGeom prst="rect">
@@ -20299,7 +20326,7 @@
         </p:nvCxnSpPr>
         <p:spPr>
           <a:xfrm flipV="1">
-            <a:off x="41786820" y="26744855"/>
+            <a:off x="41373582" y="26963544"/>
             <a:ext cx="289844" cy="286190"/>
           </a:xfrm>
           <a:prstGeom prst="straightConnector1">
@@ -20340,7 +20367,7 @@
         </p:nvCxnSpPr>
         <p:spPr>
           <a:xfrm>
-            <a:off x="41820844" y="26995483"/>
+            <a:off x="41407606" y="27214172"/>
             <a:ext cx="376959" cy="0"/>
           </a:xfrm>
           <a:prstGeom prst="straightConnector1">
@@ -20381,7 +20408,7 @@
         </p:nvCxnSpPr>
         <p:spPr>
           <a:xfrm flipV="1">
-            <a:off x="41816936" y="26621194"/>
+            <a:off x="41403698" y="26839883"/>
             <a:ext cx="0" cy="365459"/>
           </a:xfrm>
           <a:prstGeom prst="straightConnector1">
@@ -20420,7 +20447,7 @@
         </p:nvSpPr>
         <p:spPr>
           <a:xfrm>
-            <a:off x="41751565" y="26918389"/>
+            <a:off x="41338327" y="27137078"/>
             <a:ext cx="130745" cy="130745"/>
           </a:xfrm>
           <a:prstGeom prst="ellipse">
@@ -20478,7 +20505,7 @@
             </p:nvSpPr>
             <p:spPr>
               <a:xfrm>
-                <a:off x="42049278" y="26773447"/>
+                <a:off x="41636040" y="26992136"/>
                 <a:ext cx="530861" cy="276999"/>
               </a:xfrm>
               <a:prstGeom prst="rect">
@@ -20549,7 +20576,7 @@
             </p:nvSpPr>
             <p:spPr>
               <a:xfrm>
-                <a:off x="42049278" y="26773447"/>
+                <a:off x="41636040" y="26992136"/>
                 <a:ext cx="530861" cy="276999"/>
               </a:xfrm>
               <a:prstGeom prst="rect">
@@ -20593,7 +20620,7 @@
             </p:nvSpPr>
             <p:spPr>
               <a:xfrm>
-                <a:off x="41351829" y="26449726"/>
+                <a:off x="40938591" y="26668415"/>
                 <a:ext cx="530861" cy="276999"/>
               </a:xfrm>
               <a:prstGeom prst="rect">
@@ -20664,7 +20691,7 @@
             </p:nvSpPr>
             <p:spPr>
               <a:xfrm>
-                <a:off x="41351829" y="26449726"/>
+                <a:off x="40938591" y="26668415"/>
                 <a:ext cx="530861" cy="276999"/>
               </a:xfrm>
               <a:prstGeom prst="rect">
@@ -20708,7 +20735,7 @@
             </p:nvSpPr>
             <p:spPr>
               <a:xfrm flipH="1">
-                <a:off x="41719226" y="26482694"/>
+                <a:off x="41305988" y="26701383"/>
                 <a:ext cx="803973" cy="276999"/>
               </a:xfrm>
               <a:prstGeom prst="rect">
@@ -20779,7 +20806,7 @@
             </p:nvSpPr>
             <p:spPr>
               <a:xfrm flipH="1">
-                <a:off x="41719226" y="26482694"/>
+                <a:off x="41305988" y="26701383"/>
                 <a:ext cx="803973" cy="276999"/>
               </a:xfrm>
               <a:prstGeom prst="rect">
@@ -20821,7 +20848,7 @@
         </p:nvSpPr>
         <p:spPr>
           <a:xfrm>
-            <a:off x="1086686" y="14127121"/>
+            <a:off x="673448" y="14345810"/>
             <a:ext cx="13648111" cy="909046"/>
           </a:xfrm>
           <a:prstGeom prst="rect">
@@ -20883,7 +20910,7 @@
         </p:nvSpPr>
         <p:spPr>
           <a:xfrm>
-            <a:off x="6340272" y="14258225"/>
+            <a:off x="5927034" y="14476914"/>
             <a:ext cx="3141437" cy="707886"/>
           </a:xfrm>
           <a:prstGeom prst="rect">
@@ -20935,7 +20962,7 @@
         </p:nvSpPr>
         <p:spPr>
           <a:xfrm>
-            <a:off x="5862247" y="16010088"/>
+            <a:off x="5449009" y="16228777"/>
             <a:ext cx="8362932" cy="545102"/>
           </a:xfrm>
           <a:prstGeom prst="rect">
@@ -20969,7 +20996,15 @@
             </a:r>
             <a:r>
               <a:rPr lang="pt-BR" sz="2400" dirty="0"/>
-              <a:t> CBAR</a:t>
+              <a:t> CBAR(</a:t>
+            </a:r>
+            <a:r>
+              <a:rPr lang="pt-BR" sz="2400" dirty="0" err="1"/>
+              <a:t>FiniteElement</a:t>
+            </a:r>
+            <a:r>
+              <a:rPr lang="pt-BR" sz="2400" dirty="0"/>
+              <a:t>)</a:t>
             </a:r>
           </a:p>
         </p:txBody>
@@ -20988,7 +21023,7 @@
         </p:nvSpPr>
         <p:spPr>
           <a:xfrm>
-            <a:off x="15362475" y="14104573"/>
+            <a:off x="14949237" y="14323262"/>
             <a:ext cx="13322192" cy="909046"/>
           </a:xfrm>
           <a:prstGeom prst="rect">
@@ -21047,7 +21082,7 @@
         </p:nvSpPr>
         <p:spPr>
           <a:xfrm>
-            <a:off x="20588645" y="14278579"/>
+            <a:off x="20175407" y="14497268"/>
             <a:ext cx="3141437" cy="707886"/>
           </a:xfrm>
           <a:prstGeom prst="rect">
@@ -21099,7 +21134,7 @@
         </p:nvSpPr>
         <p:spPr>
           <a:xfrm>
-            <a:off x="29297143" y="14121436"/>
+            <a:off x="28883905" y="14340125"/>
             <a:ext cx="13322192" cy="909046"/>
           </a:xfrm>
           <a:prstGeom prst="rect">
@@ -21158,7 +21193,7 @@
         </p:nvSpPr>
         <p:spPr>
           <a:xfrm>
-            <a:off x="34382998" y="14187496"/>
+            <a:off x="33969760" y="14406185"/>
             <a:ext cx="3141437" cy="707886"/>
           </a:xfrm>
           <a:prstGeom prst="rect">
@@ -21210,7 +21245,7 @@
         </p:nvSpPr>
         <p:spPr>
           <a:xfrm>
-            <a:off x="15935052" y="20619392"/>
+            <a:off x="15521814" y="20838081"/>
             <a:ext cx="8546625" cy="542488"/>
           </a:xfrm>
           <a:prstGeom prst="rect">
@@ -21266,7 +21301,7 @@
         </p:nvSpPr>
         <p:spPr>
           <a:xfrm>
-            <a:off x="15949970" y="25439728"/>
+            <a:off x="15536732" y="25658417"/>
             <a:ext cx="8481253" cy="542488"/>
           </a:xfrm>
           <a:prstGeom prst="rect">
@@ -21322,7 +21357,7 @@
         </p:nvSpPr>
         <p:spPr>
           <a:xfrm>
-            <a:off x="29700452" y="20532698"/>
+            <a:off x="29287214" y="20751387"/>
             <a:ext cx="8481253" cy="542488"/>
           </a:xfrm>
           <a:prstGeom prst="rect">
@@ -21378,7 +21413,7 @@
         </p:nvSpPr>
         <p:spPr>
           <a:xfrm>
-            <a:off x="29706272" y="25350339"/>
+            <a:off x="29293034" y="25569028"/>
             <a:ext cx="8481253" cy="542488"/>
           </a:xfrm>
           <a:prstGeom prst="rect">
@@ -21434,7 +21469,7 @@
         </p:nvSpPr>
         <p:spPr>
           <a:xfrm>
-            <a:off x="5860257" y="20043181"/>
+            <a:off x="5447019" y="20261870"/>
             <a:ext cx="8362932" cy="545102"/>
           </a:xfrm>
           <a:prstGeom prst="rect">
@@ -21492,7 +21527,7 @@
         </p:nvSpPr>
         <p:spPr>
           <a:xfrm>
-            <a:off x="5839191" y="22820315"/>
+            <a:off x="5425953" y="23039004"/>
             <a:ext cx="8362932" cy="545102"/>
           </a:xfrm>
           <a:prstGeom prst="rect">
@@ -21550,7 +21585,7 @@
         </p:nvSpPr>
         <p:spPr>
           <a:xfrm>
-            <a:off x="5825858" y="25620796"/>
+            <a:off x="5412620" y="25839485"/>
             <a:ext cx="8362932" cy="545102"/>
           </a:xfrm>
           <a:prstGeom prst="rect">
@@ -21608,7 +21643,7 @@
         </p:nvCxnSpPr>
         <p:spPr>
           <a:xfrm flipV="1">
-            <a:off x="2297371" y="23327101"/>
+            <a:off x="1884133" y="23545790"/>
             <a:ext cx="2026463" cy="1416974"/>
           </a:xfrm>
           <a:prstGeom prst="line">
@@ -21646,7 +21681,7 @@
         </p:nvCxnSpPr>
         <p:spPr>
           <a:xfrm flipV="1">
-            <a:off x="2260508" y="24067373"/>
+            <a:off x="1847270" y="24286062"/>
             <a:ext cx="0" cy="720519"/>
           </a:xfrm>
           <a:prstGeom prst="straightConnector1">
@@ -21687,7 +21722,7 @@
         </p:nvCxnSpPr>
         <p:spPr>
           <a:xfrm>
-            <a:off x="2260508" y="24784999"/>
+            <a:off x="1847270" y="25003688"/>
             <a:ext cx="790530" cy="0"/>
           </a:xfrm>
           <a:prstGeom prst="straightConnector1">
@@ -21726,7 +21761,7 @@
         </p:nvSpPr>
         <p:spPr>
           <a:xfrm>
-            <a:off x="2195089" y="24716906"/>
+            <a:off x="1781851" y="24935595"/>
             <a:ext cx="130745" cy="130745"/>
           </a:xfrm>
           <a:prstGeom prst="ellipse">
@@ -21784,7 +21819,7 @@
         </p:nvCxnSpPr>
         <p:spPr>
           <a:xfrm>
-            <a:off x="4315594" y="23324209"/>
+            <a:off x="3902356" y="23542898"/>
             <a:ext cx="790530" cy="0"/>
           </a:xfrm>
           <a:prstGeom prst="straightConnector1">
@@ -21823,7 +21858,7 @@
         </p:nvSpPr>
         <p:spPr>
           <a:xfrm>
-            <a:off x="4250176" y="23256116"/>
+            <a:off x="3836938" y="23474805"/>
             <a:ext cx="130745" cy="130745"/>
           </a:xfrm>
           <a:prstGeom prst="ellipse">
@@ -21865,8 +21900,8 @@
           </a:p>
         </p:txBody>
       </p:sp>
-      <mc:AlternateContent xmlns:mc="http://schemas.openxmlformats.org/markup-compatibility/2006" xmlns:a14="http://schemas.microsoft.com/office/drawing/2010/main">
-        <mc:Choice Requires="a14">
+      <mc:AlternateContent xmlns:mc="http://schemas.openxmlformats.org/markup-compatibility/2006">
+        <mc:Choice xmlns:a14="http://schemas.microsoft.com/office/drawing/2010/main" Requires="a14">
           <p:sp>
             <p:nvSpPr>
               <p:cNvPr id="244" name="CaixaDeTexto 243">
@@ -21881,7 +21916,7 @@
             </p:nvSpPr>
             <p:spPr>
               <a:xfrm>
-                <a:off x="3753990" y="22340439"/>
+                <a:off x="3340752" y="22559128"/>
                 <a:ext cx="530861" cy="332014"/>
               </a:xfrm>
               <a:prstGeom prst="rect">
@@ -21942,13 +21977,13 @@
             </p:txBody>
           </p:sp>
         </mc:Choice>
-        <mc:Fallback xmlns="">
+        <mc:Fallback>
           <p:sp>
             <p:nvSpPr>
               <p:cNvPr id="244" name="CaixaDeTexto 243">
                 <a:extLst>
                   <a:ext uri="{FF2B5EF4-FFF2-40B4-BE49-F238E27FC236}">
-                    <a16:creationId xmlns:a16="http://schemas.microsoft.com/office/drawing/2014/main" id="{C7394F55-FCD4-81E3-A3C8-A6E2BECAD089}"/>
+                    <a16:creationId xmlns:a16="http://schemas.microsoft.com/office/drawing/2014/main" id="{FDF7A473-6CEC-9E35-27A6-EC7A81BF86C8}"/>
                   </a:ext>
                 </a:extLst>
               </p:cNvPr>
@@ -21959,7 +21994,7 @@
             </p:nvSpPr>
             <p:spPr>
               <a:xfrm>
-                <a:off x="3753990" y="22340439"/>
+                <a:off x="3340752" y="22559128"/>
                 <a:ext cx="530861" cy="332014"/>
               </a:xfrm>
               <a:prstGeom prst="rect">
@@ -22001,7 +22036,7 @@
         </p:nvSpPr>
         <p:spPr>
           <a:xfrm>
-            <a:off x="1417650" y="22718112"/>
+            <a:off x="1004412" y="22936801"/>
             <a:ext cx="2184252" cy="645048"/>
           </a:xfrm>
           <a:prstGeom prst="rect">
@@ -22060,7 +22095,7 @@
         </p:nvCxnSpPr>
         <p:spPr>
           <a:xfrm flipV="1">
-            <a:off x="4309672" y="22562685"/>
+            <a:off x="3896434" y="22781374"/>
             <a:ext cx="0" cy="720519"/>
           </a:xfrm>
           <a:prstGeom prst="straightConnector1">
@@ -22099,7 +22134,7 @@
         </p:nvSpPr>
         <p:spPr>
           <a:xfrm>
-            <a:off x="4103841" y="22752375"/>
+            <a:off x="3690603" y="22971064"/>
             <a:ext cx="391209" cy="167443"/>
           </a:xfrm>
           <a:prstGeom prst="ellipse">
@@ -22146,7 +22181,7 @@
         </p:nvSpPr>
         <p:spPr>
           <a:xfrm>
-            <a:off x="2061681" y="24246710"/>
+            <a:off x="1648443" y="24465399"/>
             <a:ext cx="391209" cy="167443"/>
           </a:xfrm>
           <a:prstGeom prst="ellipse">
@@ -22193,7 +22228,7 @@
         </p:nvSpPr>
         <p:spPr>
           <a:xfrm rot="5400000">
-            <a:off x="4657284" y="23237254"/>
+            <a:off x="4244046" y="23455943"/>
             <a:ext cx="391209" cy="167443"/>
           </a:xfrm>
           <a:prstGeom prst="ellipse">
@@ -22240,7 +22275,7 @@
         </p:nvSpPr>
         <p:spPr>
           <a:xfrm rot="5400000">
-            <a:off x="2641426" y="24693774"/>
+            <a:off x="2228188" y="24912463"/>
             <a:ext cx="391209" cy="167443"/>
           </a:xfrm>
           <a:prstGeom prst="ellipse">
@@ -22273,8 +22308,8 @@
           </a:p>
         </p:txBody>
       </p:sp>
-      <mc:AlternateContent xmlns:mc="http://schemas.openxmlformats.org/markup-compatibility/2006" xmlns:a14="http://schemas.microsoft.com/office/drawing/2010/main">
-        <mc:Choice Requires="a14">
+      <mc:AlternateContent xmlns:mc="http://schemas.openxmlformats.org/markup-compatibility/2006">
+        <mc:Choice xmlns:a14="http://schemas.microsoft.com/office/drawing/2010/main" Requires="a14">
           <p:sp>
             <p:nvSpPr>
               <p:cNvPr id="297" name="CaixaDeTexto 296">
@@ -22289,7 +22324,7 @@
             </p:nvSpPr>
             <p:spPr>
               <a:xfrm>
-                <a:off x="4872161" y="22808132"/>
+                <a:off x="4458923" y="23026821"/>
                 <a:ext cx="530861" cy="307648"/>
               </a:xfrm>
               <a:prstGeom prst="rect">
@@ -22350,13 +22385,13 @@
             </p:txBody>
           </p:sp>
         </mc:Choice>
-        <mc:Fallback xmlns="">
+        <mc:Fallback>
           <p:sp>
             <p:nvSpPr>
               <p:cNvPr id="297" name="CaixaDeTexto 296">
                 <a:extLst>
                   <a:ext uri="{FF2B5EF4-FFF2-40B4-BE49-F238E27FC236}">
-                    <a16:creationId xmlns:a16="http://schemas.microsoft.com/office/drawing/2014/main" id="{9CAF64A5-DA4D-0316-DF2D-E5D07F981A87}"/>
+                    <a16:creationId xmlns:a16="http://schemas.microsoft.com/office/drawing/2014/main" id="{50166FAC-0369-A0E8-678F-57125EA2C6E7}"/>
                   </a:ext>
                 </a:extLst>
               </p:cNvPr>
@@ -22367,7 +22402,7 @@
             </p:nvSpPr>
             <p:spPr>
               <a:xfrm>
-                <a:off x="4872161" y="22808132"/>
+                <a:off x="4458923" y="23026821"/>
                 <a:ext cx="530861" cy="307648"/>
               </a:xfrm>
               <a:prstGeom prst="rect">
@@ -22376,7 +22411,7 @@
               <a:blipFill>
                 <a:blip r:embed="rId76"/>
                 <a:stretch>
-                  <a:fillRect l="-1149" b="-15686"/>
+                  <a:fillRect l="-1136" b="-15686"/>
                 </a:stretch>
               </a:blipFill>
             </p:spPr>
@@ -22395,8 +22430,8 @@
           </p:sp>
         </mc:Fallback>
       </mc:AlternateContent>
-      <mc:AlternateContent xmlns:mc="http://schemas.openxmlformats.org/markup-compatibility/2006" xmlns:a14="http://schemas.microsoft.com/office/drawing/2010/main">
-        <mc:Choice Requires="a14">
+      <mc:AlternateContent xmlns:mc="http://schemas.openxmlformats.org/markup-compatibility/2006">
+        <mc:Choice xmlns:a14="http://schemas.microsoft.com/office/drawing/2010/main" Requires="a14">
           <p:sp>
             <p:nvSpPr>
               <p:cNvPr id="298" name="CaixaDeTexto 297">
@@ -22411,7 +22446,7 @@
             </p:nvSpPr>
             <p:spPr>
               <a:xfrm>
-                <a:off x="2908084" y="24403879"/>
+                <a:off x="2494846" y="24622568"/>
                 <a:ext cx="530861" cy="307648"/>
               </a:xfrm>
               <a:prstGeom prst="rect">
@@ -22472,13 +22507,13 @@
             </p:txBody>
           </p:sp>
         </mc:Choice>
-        <mc:Fallback xmlns="">
+        <mc:Fallback>
           <p:sp>
             <p:nvSpPr>
               <p:cNvPr id="298" name="CaixaDeTexto 297">
                 <a:extLst>
                   <a:ext uri="{FF2B5EF4-FFF2-40B4-BE49-F238E27FC236}">
-                    <a16:creationId xmlns:a16="http://schemas.microsoft.com/office/drawing/2014/main" id="{C4F80A6B-BD22-3CA3-C3C0-AD127CDDCADB}"/>
+                    <a16:creationId xmlns:a16="http://schemas.microsoft.com/office/drawing/2014/main" id="{1D39969C-B661-F12A-77DC-B65CB2959A8C}"/>
                   </a:ext>
                 </a:extLst>
               </p:cNvPr>
@@ -22489,7 +22524,7 @@
             </p:nvSpPr>
             <p:spPr>
               <a:xfrm>
-                <a:off x="2908084" y="24403879"/>
+                <a:off x="2494846" y="24622568"/>
                 <a:ext cx="530861" cy="307648"/>
               </a:xfrm>
               <a:prstGeom prst="rect">
@@ -22517,8 +22552,8 @@
           </p:sp>
         </mc:Fallback>
       </mc:AlternateContent>
-      <mc:AlternateContent xmlns:mc="http://schemas.openxmlformats.org/markup-compatibility/2006" xmlns:a14="http://schemas.microsoft.com/office/drawing/2010/main">
-        <mc:Choice Requires="a14">
+      <mc:AlternateContent xmlns:mc="http://schemas.openxmlformats.org/markup-compatibility/2006">
+        <mc:Choice xmlns:a14="http://schemas.microsoft.com/office/drawing/2010/main" Requires="a14">
           <p:sp>
             <p:nvSpPr>
               <p:cNvPr id="299" name="CaixaDeTexto 298">
@@ -22533,7 +22568,7 @@
             </p:nvSpPr>
             <p:spPr>
               <a:xfrm>
-                <a:off x="1685898" y="23894146"/>
+                <a:off x="1272660" y="24112835"/>
                 <a:ext cx="530861" cy="332014"/>
               </a:xfrm>
               <a:prstGeom prst="rect">
@@ -22594,13 +22629,13 @@
             </p:txBody>
           </p:sp>
         </mc:Choice>
-        <mc:Fallback xmlns="">
+        <mc:Fallback>
           <p:sp>
             <p:nvSpPr>
               <p:cNvPr id="299" name="CaixaDeTexto 298">
                 <a:extLst>
                   <a:ext uri="{FF2B5EF4-FFF2-40B4-BE49-F238E27FC236}">
-                    <a16:creationId xmlns:a16="http://schemas.microsoft.com/office/drawing/2014/main" id="{031CEA20-A2E7-5E04-617B-C87F6EF60E8E}"/>
+                    <a16:creationId xmlns:a16="http://schemas.microsoft.com/office/drawing/2014/main" id="{5AE25234-160B-2CE8-23C3-861A3BE77240}"/>
                   </a:ext>
                 </a:extLst>
               </p:cNvPr>
@@ -22611,7 +22646,7 @@
             </p:nvSpPr>
             <p:spPr>
               <a:xfrm>
-                <a:off x="1685898" y="23894146"/>
+                <a:off x="1272660" y="24112835"/>
                 <a:ext cx="530861" cy="332014"/>
               </a:xfrm>
               <a:prstGeom prst="rect">
@@ -22653,7 +22688,7 @@
         </p:nvSpPr>
         <p:spPr>
           <a:xfrm rot="16200000">
-            <a:off x="4322639" y="22721770"/>
+            <a:off x="3909401" y="22940459"/>
             <a:ext cx="53034" cy="45719"/>
           </a:xfrm>
           <a:prstGeom prst="triangle">
@@ -22702,7 +22737,7 @@
         </p:nvSpPr>
         <p:spPr>
           <a:xfrm rot="16200000">
-            <a:off x="2276371" y="24224072"/>
+            <a:off x="1863133" y="24442761"/>
             <a:ext cx="53034" cy="45719"/>
           </a:xfrm>
           <a:prstGeom prst="triangle">
@@ -22751,7 +22786,7 @@
         </p:nvSpPr>
         <p:spPr>
           <a:xfrm>
-            <a:off x="4901872" y="23345549"/>
+            <a:off x="4488634" y="23564238"/>
             <a:ext cx="53034" cy="45719"/>
           </a:xfrm>
           <a:prstGeom prst="triangle">
@@ -22800,7 +22835,7 @@
         </p:nvSpPr>
         <p:spPr>
           <a:xfrm>
-            <a:off x="2888137" y="24808011"/>
+            <a:off x="2474899" y="25026700"/>
             <a:ext cx="53034" cy="45719"/>
           </a:xfrm>
           <a:prstGeom prst="triangle">
@@ -22849,7 +22884,7 @@
         </p:nvCxnSpPr>
         <p:spPr>
           <a:xfrm>
-            <a:off x="1057164" y="19094776"/>
+            <a:off x="643926" y="19313465"/>
             <a:ext cx="13707655" cy="0"/>
           </a:xfrm>
           <a:prstGeom prst="line">
@@ -22900,7 +22935,7 @@
         </p:nvSpPr>
         <p:spPr>
           <a:xfrm>
-            <a:off x="17838516" y="10619018"/>
+            <a:off x="17425278" y="10837707"/>
             <a:ext cx="8362932" cy="545102"/>
           </a:xfrm>
           <a:prstGeom prst="rect">
@@ -22963,7 +22998,7 @@
         </p:nvSpPr>
         <p:spPr>
           <a:xfrm>
-            <a:off x="39429147" y="27791661"/>
+            <a:off x="39015909" y="28010350"/>
             <a:ext cx="2184252" cy="645048"/>
           </a:xfrm>
           <a:prstGeom prst="rect">
@@ -23034,7 +23069,7 @@
         </p:blipFill>
         <p:spPr>
           <a:xfrm>
-            <a:off x="29450712" y="14102977"/>
+            <a:off x="29037474" y="14321666"/>
             <a:ext cx="914400" cy="914400"/>
           </a:xfrm>
           <a:prstGeom prst="rect">
@@ -23056,7 +23091,7 @@
         </p:nvSpPr>
         <p:spPr>
           <a:xfrm>
-            <a:off x="15778594" y="14296620"/>
+            <a:off x="15365356" y="14515309"/>
             <a:ext cx="615588" cy="538084"/>
           </a:xfrm>
           <a:prstGeom prst="rect">
@@ -23108,7 +23143,7 @@
         </p:nvCxnSpPr>
         <p:spPr>
           <a:xfrm>
-            <a:off x="1438143" y="14605738"/>
+            <a:off x="1024905" y="14824427"/>
             <a:ext cx="773285" cy="0"/>
           </a:xfrm>
           <a:prstGeom prst="line">
@@ -23149,7 +23184,7 @@
         </p:nvSpPr>
         <p:spPr>
           <a:xfrm>
-            <a:off x="1100632" y="816592"/>
+            <a:off x="687394" y="1035281"/>
             <a:ext cx="9270103" cy="907219"/>
           </a:xfrm>
           <a:prstGeom prst="rect">
@@ -23227,7 +23262,7 @@
         </p:blipFill>
         <p:spPr>
           <a:xfrm>
-            <a:off x="1359179" y="807305"/>
+            <a:off x="945941" y="1025994"/>
             <a:ext cx="914400" cy="914400"/>
           </a:xfrm>
           <a:prstGeom prst="rect">
@@ -23249,7 +23284,7 @@
         </p:nvSpPr>
         <p:spPr>
           <a:xfrm>
-            <a:off x="14114647" y="6233054"/>
+            <a:off x="13701409" y="6451743"/>
             <a:ext cx="15822473" cy="3810469"/>
           </a:xfrm>
           <a:prstGeom prst="rect">
@@ -23310,7 +23345,7 @@
         </p:nvSpPr>
         <p:spPr>
           <a:xfrm>
-            <a:off x="14228321" y="7241736"/>
+            <a:off x="13815083" y="7460425"/>
             <a:ext cx="16096733" cy="2677656"/>
           </a:xfrm>
           <a:prstGeom prst="rect">
@@ -23627,7 +23662,7 @@
         </p:nvSpPr>
         <p:spPr>
           <a:xfrm>
-            <a:off x="14133590" y="6249125"/>
+            <a:off x="13720352" y="6467814"/>
             <a:ext cx="15803535" cy="907219"/>
           </a:xfrm>
           <a:prstGeom prst="rect">
@@ -23705,7 +23740,7 @@
         </p:blipFill>
         <p:spPr>
           <a:xfrm>
-            <a:off x="15948595" y="5421354"/>
+            <a:off x="15535357" y="5640043"/>
             <a:ext cx="647881" cy="647881"/>
           </a:xfrm>
           <a:prstGeom prst="rect">
@@ -23727,8 +23762,8 @@
         </p:nvSpPr>
         <p:spPr>
           <a:xfrm>
-            <a:off x="30493438" y="807728"/>
-            <a:ext cx="12609538" cy="5433052"/>
+            <a:off x="30080199" y="1026416"/>
+            <a:ext cx="13065975" cy="7259811"/>
           </a:xfrm>
           <a:prstGeom prst="rect">
             <a:avLst/>
@@ -23788,8 +23823,8 @@
         </p:nvSpPr>
         <p:spPr>
           <a:xfrm>
-            <a:off x="30533982" y="833057"/>
-            <a:ext cx="12552665" cy="907219"/>
+            <a:off x="30120744" y="1051746"/>
+            <a:ext cx="13025431" cy="907219"/>
           </a:xfrm>
           <a:prstGeom prst="rect">
             <a:avLst/>
@@ -23852,8 +23887,8 @@
         </p:nvSpPr>
         <p:spPr>
           <a:xfrm>
-            <a:off x="30565809" y="1876576"/>
-            <a:ext cx="12569823" cy="4524315"/>
+            <a:off x="30152571" y="2095265"/>
+            <a:ext cx="12993604" cy="6370975"/>
           </a:xfrm>
           <a:prstGeom prst="rect">
             <a:avLst/>
@@ -24253,6 +24288,221 @@
             <a:r>
               <a:rPr lang="pt-BR" sz="2400" dirty="0" err="1"/>
               <a:t>float</a:t>
+            </a:r>
+            <a:endParaRPr lang="pt-BR" sz="2400" dirty="0"/>
+          </a:p>
+          <a:p>
+            <a:pPr marL="285847" indent="-285847">
+              <a:buFont typeface="Arial" panose="020B0604020202020204" pitchFamily="34" charset="0"/>
+              <a:buChar char="•"/>
+            </a:pPr>
+            <a:r>
+              <a:rPr lang="pt-BR" sz="2400" dirty="0" err="1"/>
+              <a:t>save_results_to_csv</a:t>
+            </a:r>
+            <a:r>
+              <a:rPr lang="pt-BR" sz="2400" dirty="0"/>
+              <a:t>(</a:t>
+            </a:r>
+            <a:r>
+              <a:rPr lang="pt-BR" sz="2400" dirty="0" err="1"/>
+              <a:t>str</a:t>
+            </a:r>
+            <a:r>
+              <a:rPr lang="pt-BR" sz="2400" dirty="0"/>
+              <a:t>, </a:t>
+            </a:r>
+            <a:r>
+              <a:rPr lang="pt-BR" sz="2400" dirty="0" err="1"/>
+              <a:t>pd.DataFrame</a:t>
+            </a:r>
+            <a:r>
+              <a:rPr lang="pt-BR" sz="2400" dirty="0"/>
+              <a:t>, </a:t>
+            </a:r>
+            <a:r>
+              <a:rPr lang="pt-BR" sz="2400" dirty="0" err="1"/>
+              <a:t>pd.DataFrame</a:t>
+            </a:r>
+            <a:r>
+              <a:rPr lang="pt-BR" sz="2400" dirty="0"/>
+              <a:t>, </a:t>
+            </a:r>
+            <a:r>
+              <a:rPr lang="pt-BR" sz="2400" dirty="0" err="1"/>
+              <a:t>pd.DataFrame</a:t>
+            </a:r>
+            <a:r>
+              <a:rPr lang="pt-BR" sz="2400" dirty="0"/>
+              <a:t>, </a:t>
+            </a:r>
+            <a:r>
+              <a:rPr lang="pt-BR" sz="2400" dirty="0" err="1"/>
+              <a:t>pd.DataFrame</a:t>
+            </a:r>
+            <a:r>
+              <a:rPr lang="pt-BR" sz="2400" dirty="0"/>
+              <a:t>) -&gt; </a:t>
+            </a:r>
+            <a:r>
+              <a:rPr lang="pt-BR" sz="2400" dirty="0" err="1"/>
+              <a:t>None</a:t>
+            </a:r>
+            <a:endParaRPr lang="pt-BR" sz="2400" dirty="0"/>
+          </a:p>
+          <a:p>
+            <a:pPr marL="285847" indent="-285847">
+              <a:buFont typeface="Arial" panose="020B0604020202020204" pitchFamily="34" charset="0"/>
+              <a:buChar char="•"/>
+            </a:pPr>
+            <a:r>
+              <a:rPr lang="pt-BR" sz="2400" dirty="0" err="1"/>
+              <a:t>create_mesh</a:t>
+            </a:r>
+            <a:r>
+              <a:rPr lang="pt-BR" sz="2400" dirty="0"/>
+              <a:t>(</a:t>
+            </a:r>
+            <a:r>
+              <a:rPr lang="pt-BR" sz="2400" dirty="0" err="1"/>
+              <a:t>pd.DataFrame</a:t>
+            </a:r>
+            <a:r>
+              <a:rPr lang="pt-BR" sz="2400" dirty="0"/>
+              <a:t>, </a:t>
+            </a:r>
+            <a:r>
+              <a:rPr lang="pt-BR" sz="2400" dirty="0" err="1"/>
+              <a:t>pd.DataFrame</a:t>
+            </a:r>
+            <a:r>
+              <a:rPr lang="pt-BR" sz="2400" dirty="0"/>
+              <a:t>) -&gt; </a:t>
+            </a:r>
+            <a:r>
+              <a:rPr lang="pt-BR" sz="2400" dirty="0" err="1"/>
+              <a:t>None</a:t>
+            </a:r>
+            <a:endParaRPr lang="pt-BR" sz="2400" dirty="0"/>
+          </a:p>
+          <a:p>
+            <a:pPr marL="285847" indent="-285847">
+              <a:buFont typeface="Arial" panose="020B0604020202020204" pitchFamily="34" charset="0"/>
+              <a:buChar char="•"/>
+            </a:pPr>
+            <a:r>
+              <a:rPr lang="pt-BR" sz="2400" dirty="0" err="1"/>
+              <a:t>plot_mesh</a:t>
+            </a:r>
+            <a:r>
+              <a:rPr lang="pt-BR" sz="2400" dirty="0"/>
+              <a:t>(</a:t>
+            </a:r>
+            <a:r>
+              <a:rPr lang="pt-BR" sz="2400" dirty="0" err="1"/>
+              <a:t>pd.DataFrame</a:t>
+            </a:r>
+            <a:r>
+              <a:rPr lang="pt-BR" sz="2400" dirty="0"/>
+              <a:t>, </a:t>
+            </a:r>
+            <a:r>
+              <a:rPr lang="pt-BR" sz="2400" dirty="0" err="1"/>
+              <a:t>pd.DataFrame</a:t>
+            </a:r>
+            <a:r>
+              <a:rPr lang="pt-BR" sz="2400" dirty="0"/>
+              <a:t>) -&gt; </a:t>
+            </a:r>
+            <a:r>
+              <a:rPr lang="pt-BR" sz="2400" dirty="0" err="1"/>
+              <a:t>None</a:t>
+            </a:r>
+            <a:endParaRPr lang="pt-BR" sz="2400" dirty="0"/>
+          </a:p>
+          <a:p>
+            <a:pPr marL="285847" indent="-285847">
+              <a:buFont typeface="Arial" panose="020B0604020202020204" pitchFamily="34" charset="0"/>
+              <a:buChar char="•"/>
+            </a:pPr>
+            <a:r>
+              <a:rPr lang="pt-BR" sz="2400" dirty="0" err="1"/>
+              <a:t>plot_results_displacement</a:t>
+            </a:r>
+            <a:r>
+              <a:rPr lang="pt-BR" sz="2400" dirty="0"/>
+              <a:t>(</a:t>
+            </a:r>
+            <a:r>
+              <a:rPr lang="pt-BR" sz="2400" dirty="0" err="1"/>
+              <a:t>pd.DataFrame</a:t>
+            </a:r>
+            <a:r>
+              <a:rPr lang="pt-BR" sz="2400" dirty="0"/>
+              <a:t>, </a:t>
+            </a:r>
+            <a:r>
+              <a:rPr lang="pt-BR" sz="2400" dirty="0" err="1"/>
+              <a:t>pd.DataFrame</a:t>
+            </a:r>
+            <a:r>
+              <a:rPr lang="pt-BR" sz="2400" dirty="0"/>
+              <a:t>, </a:t>
+            </a:r>
+            <a:r>
+              <a:rPr lang="pt-BR" sz="2400" dirty="0" err="1"/>
+              <a:t>pd.DataFrame</a:t>
+            </a:r>
+            <a:r>
+              <a:rPr lang="pt-BR" sz="2400" dirty="0"/>
+              <a:t>) -&gt; </a:t>
+            </a:r>
+            <a:r>
+              <a:rPr lang="pt-BR" sz="2400" dirty="0" err="1"/>
+              <a:t>None</a:t>
+            </a:r>
+            <a:endParaRPr lang="pt-BR" sz="2400" dirty="0"/>
+          </a:p>
+          <a:p>
+            <a:pPr marL="285847" indent="-285847">
+              <a:buFont typeface="Arial" panose="020B0604020202020204" pitchFamily="34" charset="0"/>
+              <a:buChar char="•"/>
+            </a:pPr>
+            <a:r>
+              <a:rPr lang="pt-BR" sz="2400" dirty="0" err="1"/>
+              <a:t>plot_results_stress</a:t>
+            </a:r>
+            <a:r>
+              <a:rPr lang="pt-BR" sz="2400" dirty="0"/>
+              <a:t>(</a:t>
+            </a:r>
+            <a:r>
+              <a:rPr lang="pt-BR" sz="2400" dirty="0" err="1"/>
+              <a:t>pd.DataFrame</a:t>
+            </a:r>
+            <a:r>
+              <a:rPr lang="pt-BR" sz="2400" dirty="0"/>
+              <a:t>, </a:t>
+            </a:r>
+            <a:r>
+              <a:rPr lang="pt-BR" sz="2400" dirty="0" err="1"/>
+              <a:t>pd.DataFrame</a:t>
+            </a:r>
+            <a:r>
+              <a:rPr lang="pt-BR" sz="2400" dirty="0"/>
+              <a:t>, </a:t>
+            </a:r>
+            <a:r>
+              <a:rPr lang="pt-BR" sz="2400" dirty="0" err="1"/>
+              <a:t>pd.DataFrame</a:t>
+            </a:r>
+            <a:r>
+              <a:rPr lang="pt-BR" sz="2400" dirty="0"/>
+              <a:t>) -&gt; </a:t>
+            </a:r>
+            <a:r>
+              <a:rPr lang="pt-BR" sz="2400" dirty="0" err="1"/>
+              <a:t>None</a:t>
             </a:r>
             <a:endParaRPr lang="pt-BR" sz="2400" dirty="0"/>
           </a:p>
@@ -24293,7 +24543,7 @@
         </p:blipFill>
         <p:spPr>
           <a:xfrm>
-            <a:off x="30708520" y="890622"/>
+            <a:off x="30295282" y="1109311"/>
             <a:ext cx="745520" cy="745520"/>
           </a:xfrm>
           <a:prstGeom prst="rect">
@@ -24329,7 +24579,7 @@
         </p:blipFill>
         <p:spPr>
           <a:xfrm>
-            <a:off x="14340324" y="6361969"/>
+            <a:off x="13927086" y="6580658"/>
             <a:ext cx="630571" cy="630571"/>
           </a:xfrm>
           <a:prstGeom prst="rect">
@@ -24351,8 +24601,8 @@
         </p:nvSpPr>
         <p:spPr>
           <a:xfrm>
-            <a:off x="17391670" y="791984"/>
-            <a:ext cx="9317673" cy="4879868"/>
+            <a:off x="16978432" y="1055265"/>
+            <a:ext cx="9317673" cy="4524315"/>
           </a:xfrm>
           <a:prstGeom prst="rect">
             <a:avLst/>
@@ -24412,7 +24662,7 @@
         </p:nvSpPr>
         <p:spPr>
           <a:xfrm>
-            <a:off x="17409744" y="819819"/>
+            <a:off x="17014091" y="1083774"/>
             <a:ext cx="9274112" cy="907219"/>
           </a:xfrm>
           <a:prstGeom prst="rect">
@@ -24456,195 +24706,18 @@
           <a:p>
             <a:pPr algn="ctr"/>
             <a:r>
+              <a:rPr lang="pt-BR" sz="4000" dirty="0" err="1"/>
+              <a:t>class</a:t>
+            </a:r>
+            <a:r>
               <a:rPr lang="pt-BR" sz="4000" dirty="0"/>
-              <a:t>main.py</a:t>
-            </a:r>
-          </a:p>
-        </p:txBody>
-      </p:sp>
-      <p:sp>
-        <p:nvSpPr>
-          <p:cNvPr id="12" name="CaixaDeTexto 11">
-            <a:extLst>
-              <a:ext uri="{FF2B5EF4-FFF2-40B4-BE49-F238E27FC236}">
-                <a16:creationId xmlns:a16="http://schemas.microsoft.com/office/drawing/2014/main" id="{6E0DDA25-A949-B07B-50B3-E1143FF0A304}"/>
-              </a:ext>
-            </a:extLst>
-          </p:cNvPr>
-          <p:cNvSpPr txBox="1"/>
-          <p:nvPr/>
-        </p:nvSpPr>
-        <p:spPr>
-          <a:xfrm>
-            <a:off x="17669954" y="3023374"/>
-            <a:ext cx="7980711" cy="2246769"/>
-          </a:xfrm>
-          <a:prstGeom prst="rect">
-            <a:avLst/>
-          </a:prstGeom>
-          <a:noFill/>
-        </p:spPr>
-        <p:txBody>
-          <a:bodyPr wrap="none" rtlCol="0">
-            <a:spAutoFit/>
-          </a:bodyPr>
-          <a:lstStyle/>
-          <a:p>
-            <a:pPr marL="285847" indent="-285847">
-              <a:buFont typeface="Arial" panose="020B0604020202020204" pitchFamily="34" charset="0"/>
-              <a:buChar char="•"/>
-            </a:pPr>
-            <a:r>
-              <a:rPr lang="pt-BR" sz="2800" dirty="0" err="1"/>
-              <a:t>get_pre_processing_input</a:t>
-            </a:r>
-            <a:r>
-              <a:rPr lang="pt-BR" sz="2800" dirty="0"/>
-              <a:t>()</a:t>
-            </a:r>
-          </a:p>
-          <a:p>
-            <a:pPr marL="285847" indent="-285847">
-              <a:buFont typeface="Arial" panose="020B0604020202020204" pitchFamily="34" charset="0"/>
-              <a:buChar char="•"/>
-            </a:pPr>
-            <a:r>
-              <a:rPr lang="pt-BR" sz="2800" dirty="0" err="1"/>
-              <a:t>assemble_global_stiffness_matrix</a:t>
-            </a:r>
-            <a:r>
-              <a:rPr lang="pt-BR" sz="2800" dirty="0"/>
-              <a:t>()</a:t>
-            </a:r>
-          </a:p>
-          <a:p>
-            <a:pPr marL="285847" indent="-285847">
-              <a:buFont typeface="Arial" panose="020B0604020202020204" pitchFamily="34" charset="0"/>
-              <a:buChar char="•"/>
-            </a:pPr>
-            <a:r>
-              <a:rPr lang="pt-BR" sz="2800" dirty="0" err="1"/>
-              <a:t>assemble_global_load_vector</a:t>
-            </a:r>
-            <a:r>
-              <a:rPr lang="pt-BR" sz="2800" dirty="0"/>
-              <a:t>()</a:t>
-            </a:r>
-          </a:p>
-          <a:p>
-            <a:pPr marL="285847" indent="-285847">
-              <a:buFont typeface="Arial" panose="020B0604020202020204" pitchFamily="34" charset="0"/>
-              <a:buChar char="•"/>
-            </a:pPr>
-            <a:r>
-              <a:rPr lang="pt-BR" sz="2800" dirty="0" err="1"/>
-              <a:t>impose_boundary_conditions_penalty_method</a:t>
-            </a:r>
-            <a:r>
-              <a:rPr lang="pt-BR" sz="2800" dirty="0"/>
-              <a:t>()</a:t>
-            </a:r>
-          </a:p>
-          <a:p>
-            <a:pPr marL="285847" indent="-285847">
-              <a:buFont typeface="Arial" panose="020B0604020202020204" pitchFamily="34" charset="0"/>
-              <a:buChar char="•"/>
-            </a:pPr>
-            <a:r>
-              <a:rPr lang="pt-BR" sz="2800" dirty="0" err="1"/>
-              <a:t>get_post_processing_output</a:t>
-            </a:r>
-            <a:r>
-              <a:rPr lang="pt-BR" sz="2800" dirty="0"/>
-              <a:t>()</a:t>
-            </a:r>
-          </a:p>
-        </p:txBody>
-      </p:sp>
-      <p:cxnSp>
-        <p:nvCxnSpPr>
-          <p:cNvPr id="9" name="Conector reto 8">
-            <a:extLst>
-              <a:ext uri="{FF2B5EF4-FFF2-40B4-BE49-F238E27FC236}">
-                <a16:creationId xmlns:a16="http://schemas.microsoft.com/office/drawing/2014/main" id="{8AA3B976-2591-0BAF-30E6-4F88CDDD68D3}"/>
-              </a:ext>
-            </a:extLst>
-          </p:cNvPr>
-          <p:cNvCxnSpPr>
-            <a:cxnSpLocks/>
-          </p:cNvCxnSpPr>
-          <p:nvPr/>
-        </p:nvCxnSpPr>
-        <p:spPr>
-          <a:xfrm>
-            <a:off x="17403753" y="2886038"/>
-            <a:ext cx="9317530" cy="0"/>
-          </a:xfrm>
-          <a:prstGeom prst="line">
-            <a:avLst/>
-          </a:prstGeom>
-        </p:spPr>
-        <p:style>
-          <a:lnRef idx="2">
-            <a:schemeClr val="dk1"/>
-          </a:lnRef>
-          <a:fillRef idx="0">
-            <a:schemeClr val="dk1"/>
-          </a:fillRef>
-          <a:effectRef idx="1">
-            <a:schemeClr val="dk1"/>
-          </a:effectRef>
-          <a:fontRef idx="minor">
-            <a:schemeClr val="tx1"/>
-          </a:fontRef>
-        </p:style>
-      </p:cxnSp>
-      <p:sp>
-        <p:nvSpPr>
-          <p:cNvPr id="11" name="CaixaDeTexto 10">
-            <a:extLst>
-              <a:ext uri="{FF2B5EF4-FFF2-40B4-BE49-F238E27FC236}">
-                <a16:creationId xmlns:a16="http://schemas.microsoft.com/office/drawing/2014/main" id="{8742123B-5F74-B44C-E816-F93DE22DF92D}"/>
-              </a:ext>
-            </a:extLst>
-          </p:cNvPr>
-          <p:cNvSpPr txBox="1"/>
-          <p:nvPr/>
-        </p:nvSpPr>
-        <p:spPr>
-          <a:xfrm>
-            <a:off x="17669954" y="1896646"/>
-            <a:ext cx="3716082" cy="954107"/>
-          </a:xfrm>
-          <a:prstGeom prst="rect">
-            <a:avLst/>
-          </a:prstGeom>
-          <a:noFill/>
-        </p:spPr>
-        <p:txBody>
-          <a:bodyPr wrap="none" rtlCol="0">
-            <a:spAutoFit/>
-          </a:bodyPr>
-          <a:lstStyle/>
-          <a:p>
-            <a:pPr marL="285822" indent="-285822">
-              <a:buFontTx/>
-              <a:buChar char="-"/>
-            </a:pPr>
-            <a:r>
-              <a:rPr lang="pt-BR" sz="2800" dirty="0"/>
-              <a:t>INPUT_FILE_NAME</a:t>
-            </a:r>
-          </a:p>
-          <a:p>
-            <a:pPr marL="285822" indent="-285822">
-              <a:buFontTx/>
-              <a:buChar char="-"/>
-            </a:pPr>
-            <a:r>
-              <a:rPr lang="pt-BR" sz="2800" dirty="0"/>
-              <a:t>OUTPUT_FILE_NAME</a:t>
-            </a:r>
+              <a:t> </a:t>
+            </a:r>
+            <a:r>
+              <a:rPr lang="pt-BR" sz="4000" dirty="0" err="1"/>
+              <a:t>InterfaceCAE</a:t>
+            </a:r>
+            <a:endParaRPr lang="pt-BR" sz="4000" dirty="0"/>
           </a:p>
         </p:txBody>
       </p:sp>
@@ -24676,7 +24749,7 @@
         </p:blipFill>
         <p:spPr>
           <a:xfrm>
-            <a:off x="17669954" y="836341"/>
+            <a:off x="17256716" y="1100296"/>
             <a:ext cx="914400" cy="914400"/>
           </a:xfrm>
           <a:prstGeom prst="rect">
@@ -24700,7 +24773,7 @@
         </p:nvCxnSpPr>
         <p:spPr>
           <a:xfrm>
-            <a:off x="10386777" y="2558039"/>
+            <a:off x="9973539" y="2776728"/>
             <a:ext cx="7011762" cy="0"/>
           </a:xfrm>
           <a:prstGeom prst="line">
@@ -24739,7 +24812,7 @@
         </p:nvCxnSpPr>
         <p:spPr>
           <a:xfrm>
-            <a:off x="26684155" y="2533458"/>
+            <a:off x="26270917" y="2752147"/>
             <a:ext cx="3836024" cy="0"/>
           </a:xfrm>
           <a:prstGeom prst="line">
@@ -24776,7 +24849,7 @@
         </p:nvSpPr>
         <p:spPr>
           <a:xfrm>
-            <a:off x="15409716" y="15049500"/>
+            <a:off x="14996478" y="15268189"/>
             <a:ext cx="13248386" cy="3562453"/>
           </a:xfrm>
           <a:prstGeom prst="rect">
@@ -24842,8 +24915,8 @@
         </p:nvCxnSpPr>
         <p:spPr>
           <a:xfrm flipH="1">
-            <a:off x="22035358" y="5671852"/>
-            <a:ext cx="15149" cy="577273"/>
+            <a:off x="21622120" y="5579580"/>
+            <a:ext cx="15149" cy="888234"/>
           </a:xfrm>
           <a:prstGeom prst="line">
             <a:avLst/>
@@ -24879,7 +24952,7 @@
         </p:nvSpPr>
         <p:spPr>
           <a:xfrm>
-            <a:off x="17738951" y="15484025"/>
+            <a:off x="17325713" y="15702714"/>
             <a:ext cx="8549523" cy="2687085"/>
           </a:xfrm>
           <a:prstGeom prst="rect">
@@ -24938,7 +25011,7 @@
         </p:nvSpPr>
         <p:spPr>
           <a:xfrm>
-            <a:off x="17979017" y="16179169"/>
+            <a:off x="17565779" y="16397858"/>
             <a:ext cx="7867731" cy="1757019"/>
           </a:xfrm>
           <a:prstGeom prst="rect">
@@ -25254,7 +25327,7 @@
         </p:nvSpPr>
         <p:spPr>
           <a:xfrm>
-            <a:off x="29329524" y="15117174"/>
+            <a:off x="28916286" y="15335863"/>
             <a:ext cx="13248386" cy="3538816"/>
           </a:xfrm>
           <a:prstGeom prst="rect">
@@ -25316,7 +25389,7 @@
         </p:nvSpPr>
         <p:spPr>
           <a:xfrm>
-            <a:off x="17724516" y="15463481"/>
+            <a:off x="17311278" y="15682170"/>
             <a:ext cx="8546625" cy="542488"/>
           </a:xfrm>
           <a:prstGeom prst="rect">
@@ -25380,7 +25453,7 @@
         </p:nvSpPr>
         <p:spPr>
           <a:xfrm>
-            <a:off x="31708085" y="15474079"/>
+            <a:off x="31294847" y="15692768"/>
             <a:ext cx="8491264" cy="2718672"/>
           </a:xfrm>
           <a:prstGeom prst="rect">
@@ -25439,7 +25512,7 @@
         </p:nvSpPr>
         <p:spPr>
           <a:xfrm>
-            <a:off x="31791272" y="16145641"/>
+            <a:off x="31378034" y="16364330"/>
             <a:ext cx="8220532" cy="1754326"/>
           </a:xfrm>
           <a:prstGeom prst="rect">
@@ -25764,7 +25837,7 @@
         </p:nvSpPr>
         <p:spPr>
           <a:xfrm>
-            <a:off x="31721209" y="15474078"/>
+            <a:off x="31307971" y="15692767"/>
             <a:ext cx="8481253" cy="542488"/>
           </a:xfrm>
           <a:prstGeom prst="rect">
@@ -25811,6 +25884,299 @@
               <a:rPr lang="pt-BR" sz="2400" dirty="0"/>
               <a:t>)</a:t>
             </a:r>
+          </a:p>
+        </p:txBody>
+      </p:sp>
+      <p:sp>
+        <p:nvSpPr>
+          <p:cNvPr id="12" name="CaixaDeTexto 11">
+            <a:extLst>
+              <a:ext uri="{FF2B5EF4-FFF2-40B4-BE49-F238E27FC236}">
+                <a16:creationId xmlns:a16="http://schemas.microsoft.com/office/drawing/2014/main" id="{6E0DDA25-A949-B07B-50B3-E1143FF0A304}"/>
+              </a:ext>
+            </a:extLst>
+          </p:cNvPr>
+          <p:cNvSpPr txBox="1"/>
+          <p:nvPr/>
+        </p:nvSpPr>
+        <p:spPr>
+          <a:xfrm>
+            <a:off x="17303396" y="2139032"/>
+            <a:ext cx="5800434" cy="3046988"/>
+          </a:xfrm>
+          <a:prstGeom prst="rect">
+            <a:avLst/>
+          </a:prstGeom>
+          <a:noFill/>
+        </p:spPr>
+        <p:txBody>
+          <a:bodyPr wrap="none" rtlCol="0">
+            <a:spAutoFit/>
+          </a:bodyPr>
+          <a:lstStyle/>
+          <a:p>
+            <a:pPr marL="285847" indent="-285847">
+              <a:buFont typeface="Arial" panose="020B0604020202020204" pitchFamily="34" charset="0"/>
+              <a:buChar char="•"/>
+            </a:pPr>
+            <a:r>
+              <a:rPr lang="pt-BR" sz="2400" dirty="0" err="1"/>
+              <a:t>create_preprocess_frame</a:t>
+            </a:r>
+            <a:r>
+              <a:rPr lang="pt-BR" sz="2400" dirty="0"/>
+              <a:t>(</a:t>
+            </a:r>
+            <a:r>
+              <a:rPr lang="pt-BR" sz="2400" i="1" dirty="0">
+                <a:solidFill>
+                  <a:schemeClr val="bg1">
+                    <a:lumMod val="50000"/>
+                  </a:schemeClr>
+                </a:solidFill>
+              </a:rPr>
+              <a:t>self</a:t>
+            </a:r>
+            <a:r>
+              <a:rPr lang="pt-BR" sz="2400" dirty="0"/>
+              <a:t>) -&gt; </a:t>
+            </a:r>
+            <a:r>
+              <a:rPr lang="pt-BR" sz="2400" dirty="0" err="1"/>
+              <a:t>None</a:t>
+            </a:r>
+            <a:endParaRPr lang="pt-BR" sz="2400" dirty="0"/>
+          </a:p>
+          <a:p>
+            <a:pPr marL="285847" indent="-285847">
+              <a:buFont typeface="Arial" panose="020B0604020202020204" pitchFamily="34" charset="0"/>
+              <a:buChar char="•"/>
+            </a:pPr>
+            <a:r>
+              <a:rPr lang="pt-BR" sz="2400" dirty="0" err="1"/>
+              <a:t>create_solver_frame</a:t>
+            </a:r>
+            <a:r>
+              <a:rPr lang="pt-BR" sz="2400" dirty="0"/>
+              <a:t>(</a:t>
+            </a:r>
+            <a:r>
+              <a:rPr lang="pt-BR" sz="2400" i="1" dirty="0">
+                <a:solidFill>
+                  <a:schemeClr val="bg1">
+                    <a:lumMod val="50000"/>
+                  </a:schemeClr>
+                </a:solidFill>
+              </a:rPr>
+              <a:t>self</a:t>
+            </a:r>
+            <a:r>
+              <a:rPr lang="pt-BR" sz="2400" dirty="0"/>
+              <a:t>) -&gt; </a:t>
+            </a:r>
+            <a:r>
+              <a:rPr lang="pt-BR" sz="2400" dirty="0" err="1"/>
+              <a:t>None</a:t>
+            </a:r>
+            <a:endParaRPr lang="pt-BR" sz="2400" dirty="0"/>
+          </a:p>
+          <a:p>
+            <a:pPr marL="285847" indent="-285847">
+              <a:buFont typeface="Arial" panose="020B0604020202020204" pitchFamily="34" charset="0"/>
+              <a:buChar char="•"/>
+            </a:pPr>
+            <a:r>
+              <a:rPr lang="pt-BR" sz="2400" dirty="0" err="1"/>
+              <a:t>create_postprocess_frame</a:t>
+            </a:r>
+            <a:r>
+              <a:rPr lang="pt-BR" sz="2400" dirty="0"/>
+              <a:t>(</a:t>
+            </a:r>
+            <a:r>
+              <a:rPr lang="pt-BR" sz="2400" i="1" dirty="0">
+                <a:solidFill>
+                  <a:schemeClr val="bg1">
+                    <a:lumMod val="50000"/>
+                  </a:schemeClr>
+                </a:solidFill>
+              </a:rPr>
+              <a:t>self</a:t>
+            </a:r>
+            <a:r>
+              <a:rPr lang="pt-BR" sz="2400" dirty="0"/>
+              <a:t>) -&gt; </a:t>
+            </a:r>
+            <a:r>
+              <a:rPr lang="pt-BR" sz="2400" dirty="0" err="1"/>
+              <a:t>None</a:t>
+            </a:r>
+            <a:endParaRPr lang="pt-BR" sz="2400" dirty="0"/>
+          </a:p>
+          <a:p>
+            <a:pPr marL="285847" indent="-285847">
+              <a:buFont typeface="Arial" panose="020B0604020202020204" pitchFamily="34" charset="0"/>
+              <a:buChar char="•"/>
+            </a:pPr>
+            <a:r>
+              <a:rPr lang="pt-BR" sz="2400" dirty="0" err="1"/>
+              <a:t>select_file_button</a:t>
+            </a:r>
+            <a:r>
+              <a:rPr lang="pt-BR" sz="2400" dirty="0"/>
+              <a:t>(</a:t>
+            </a:r>
+            <a:r>
+              <a:rPr lang="pt-BR" sz="2400" i="1" dirty="0">
+                <a:solidFill>
+                  <a:schemeClr val="bg1">
+                    <a:lumMod val="50000"/>
+                  </a:schemeClr>
+                </a:solidFill>
+              </a:rPr>
+              <a:t>self</a:t>
+            </a:r>
+            <a:r>
+              <a:rPr lang="pt-BR" sz="2400" dirty="0"/>
+              <a:t>) -&gt; </a:t>
+            </a:r>
+            <a:r>
+              <a:rPr lang="pt-BR" sz="2400" dirty="0" err="1"/>
+              <a:t>None</a:t>
+            </a:r>
+            <a:endParaRPr lang="pt-BR" sz="2400" dirty="0"/>
+          </a:p>
+          <a:p>
+            <a:pPr marL="285847" indent="-285847">
+              <a:buFont typeface="Arial" panose="020B0604020202020204" pitchFamily="34" charset="0"/>
+              <a:buChar char="•"/>
+            </a:pPr>
+            <a:r>
+              <a:rPr lang="pt-BR" sz="2400" dirty="0" err="1"/>
+              <a:t>solve_button</a:t>
+            </a:r>
+            <a:r>
+              <a:rPr lang="pt-BR" sz="2400" dirty="0"/>
+              <a:t>(</a:t>
+            </a:r>
+            <a:r>
+              <a:rPr lang="pt-BR" sz="2400" i="1" dirty="0">
+                <a:solidFill>
+                  <a:schemeClr val="bg1">
+                    <a:lumMod val="50000"/>
+                  </a:schemeClr>
+                </a:solidFill>
+              </a:rPr>
+              <a:t>self</a:t>
+            </a:r>
+            <a:r>
+              <a:rPr lang="pt-BR" sz="2400" dirty="0"/>
+              <a:t>) -&gt; </a:t>
+            </a:r>
+            <a:r>
+              <a:rPr lang="pt-BR" sz="2400" dirty="0" err="1"/>
+              <a:t>None</a:t>
+            </a:r>
+            <a:endParaRPr lang="pt-BR" sz="2400" dirty="0"/>
+          </a:p>
+          <a:p>
+            <a:pPr marL="285847" indent="-285847">
+              <a:buFont typeface="Arial" panose="020B0604020202020204" pitchFamily="34" charset="0"/>
+              <a:buChar char="•"/>
+            </a:pPr>
+            <a:r>
+              <a:rPr lang="pt-BR" sz="2400" dirty="0" err="1"/>
+              <a:t>plot_mesh_button</a:t>
+            </a:r>
+            <a:r>
+              <a:rPr lang="pt-BR" sz="2400" dirty="0"/>
+              <a:t>(</a:t>
+            </a:r>
+            <a:r>
+              <a:rPr lang="pt-BR" sz="2400" i="1" dirty="0">
+                <a:solidFill>
+                  <a:schemeClr val="bg1">
+                    <a:lumMod val="50000"/>
+                  </a:schemeClr>
+                </a:solidFill>
+              </a:rPr>
+              <a:t>self</a:t>
+            </a:r>
+            <a:r>
+              <a:rPr lang="pt-BR" sz="2400" dirty="0"/>
+              <a:t>) -&gt; </a:t>
+            </a:r>
+            <a:r>
+              <a:rPr lang="pt-BR" sz="2400" dirty="0" err="1"/>
+              <a:t>None</a:t>
+            </a:r>
+            <a:endParaRPr lang="pt-BR" sz="2400" dirty="0"/>
+          </a:p>
+          <a:p>
+            <a:pPr marL="285847" indent="-285847">
+              <a:buFont typeface="Arial" panose="020B0604020202020204" pitchFamily="34" charset="0"/>
+              <a:buChar char="•"/>
+            </a:pPr>
+            <a:r>
+              <a:rPr lang="pt-BR" sz="2400" dirty="0" err="1"/>
+              <a:t>plot_displacement_button</a:t>
+            </a:r>
+            <a:r>
+              <a:rPr lang="pt-BR" sz="2400" dirty="0"/>
+              <a:t>(</a:t>
+            </a:r>
+            <a:r>
+              <a:rPr lang="pt-BR" sz="2400" i="1" dirty="0">
+                <a:solidFill>
+                  <a:schemeClr val="bg1">
+                    <a:lumMod val="50000"/>
+                  </a:schemeClr>
+                </a:solidFill>
+              </a:rPr>
+              <a:t>self</a:t>
+            </a:r>
+            <a:r>
+              <a:rPr lang="pt-BR" sz="2400" dirty="0"/>
+              <a:t>) -&gt; </a:t>
+            </a:r>
+            <a:r>
+              <a:rPr lang="pt-BR" sz="2400" dirty="0" err="1"/>
+              <a:t>None</a:t>
+            </a:r>
+            <a:endParaRPr lang="pt-BR" sz="2400" dirty="0"/>
+          </a:p>
+          <a:p>
+            <a:pPr marL="285847" indent="-285847">
+              <a:buFont typeface="Arial" panose="020B0604020202020204" pitchFamily="34" charset="0"/>
+              <a:buChar char="•"/>
+            </a:pPr>
+            <a:r>
+              <a:rPr lang="pt-BR" sz="2400" dirty="0" err="1"/>
+              <a:t>plot_stress_button</a:t>
+            </a:r>
+            <a:r>
+              <a:rPr lang="pt-BR" sz="2400" dirty="0"/>
+              <a:t>(</a:t>
+            </a:r>
+            <a:r>
+              <a:rPr lang="pt-BR" sz="2400" i="1" dirty="0">
+                <a:solidFill>
+                  <a:schemeClr val="bg1">
+                    <a:lumMod val="50000"/>
+                  </a:schemeClr>
+                </a:solidFill>
+              </a:rPr>
+              <a:t>self</a:t>
+            </a:r>
+            <a:r>
+              <a:rPr lang="pt-BR" sz="2400" dirty="0"/>
+              <a:t>) -&gt; </a:t>
+            </a:r>
+            <a:r>
+              <a:rPr lang="pt-BR" sz="2400" dirty="0" err="1"/>
+              <a:t>None</a:t>
+            </a:r>
+            <a:endParaRPr lang="pt-BR" sz="2400" dirty="0"/>
           </a:p>
         </p:txBody>
       </p:sp>
